--- a/03-using.pptx
+++ b/03-using.pptx
@@ -11,17 +11,17 @@
     <p:handoutMasterId r:id="rId15"/>
   </p:handoutMasterIdLst>
   <p:sldIdLst>
-    <p:sldId id="257" r:id="rId3"/>
-    <p:sldId id="263" r:id="rId4"/>
-    <p:sldId id="1551" r:id="rId5"/>
-    <p:sldId id="1552" r:id="rId6"/>
-    <p:sldId id="1556" r:id="rId7"/>
-    <p:sldId id="265" r:id="rId8"/>
+    <p:sldId id="1562" r:id="rId3"/>
+    <p:sldId id="1563" r:id="rId4"/>
+    <p:sldId id="1564" r:id="rId5"/>
+    <p:sldId id="1565" r:id="rId6"/>
+    <p:sldId id="1566" r:id="rId7"/>
+    <p:sldId id="1567" r:id="rId8"/>
     <p:sldId id="1557" r:id="rId9"/>
     <p:sldId id="1558" r:id="rId10"/>
-    <p:sldId id="283" r:id="rId11"/>
-    <p:sldId id="261" r:id="rId12"/>
-    <p:sldId id="260" r:id="rId13"/>
+    <p:sldId id="1568" r:id="rId11"/>
+    <p:sldId id="1569" r:id="rId12"/>
+    <p:sldId id="1570" r:id="rId13"/>
   </p:sldIdLst>
   <p:sldSz cx="12436475" cy="6994525"/>
   <p:notesSz cx="6858000" cy="9144000"/>
@@ -125,29 +125,29 @@
       <p14:sectionLst xmlns:p14="http://schemas.microsoft.com/office/powerpoint/2010/main">
         <p14:section name="intro" id="{E1FBED56-7E21-C94D-8049-451270E8C32A}">
           <p14:sldIdLst>
-            <p14:sldId id="257"/>
-            <p14:sldId id="263"/>
+            <p14:sldId id="1562"/>
+            <p14:sldId id="1563"/>
           </p14:sldIdLst>
         </p14:section>
-        <p14:section name="adding web parts to pages" id="{3A7429EF-79F1-A44F-B2E7-33EA665B892A}">
+        <p14:section name="adding web parts to pages" id="{DE42E044-AD8C-453A-B341-CAC57E9BFD60}">
           <p14:sldIdLst>
-            <p14:sldId id="1551"/>
-            <p14:sldId id="1552"/>
-            <p14:sldId id="1556"/>
-            <p14:sldId id="265"/>
+            <p14:sldId id="1564"/>
+            <p14:sldId id="1565"/>
+            <p14:sldId id="1566"/>
+            <p14:sldId id="1567"/>
           </p14:sldIdLst>
         </p14:section>
-        <p14:section name="validate environment" id="{87532EFB-7744-354E-BB92-2CA4A34C0FEE}">
+        <p14:section name="validate environment" id="{5AFC8C7C-8243-4324-A34E-F598133A6936}">
           <p14:sldIdLst>
             <p14:sldId id="1557"/>
             <p14:sldId id="1558"/>
           </p14:sldIdLst>
         </p14:section>
-        <p14:section name="outro" id="{E93196B6-EFE2-3242-B776-C77C0FCFFEF1}">
+        <p14:section name="outro" id="{33968224-89AD-444C-BB86-FA4868108360}">
           <p14:sldIdLst>
-            <p14:sldId id="283"/>
-            <p14:sldId id="261"/>
-            <p14:sldId id="260"/>
+            <p14:sldId id="1568"/>
+            <p14:sldId id="1569"/>
+            <p14:sldId id="1570"/>
           </p14:sldIdLst>
         </p14:section>
       </p14:sectionLst>
@@ -228,9 +228,12 @@
             </a:lvl1pPr>
           </a:lstStyle>
           <a:p>
-            <a:endParaRPr lang="en-US" dirty="0">
-              <a:latin typeface="Segoe UI" pitchFamily="34" charset="0"/>
-            </a:endParaRPr>
+            <a:r>
+              <a:rPr lang="en-US" dirty="0">
+                <a:latin typeface="Segoe UI" pitchFamily="34" charset="0"/>
+              </a:rPr>
+              <a:t>SharePoint Framework</a:t>
+            </a:r>
           </a:p>
         </p:txBody>
       </p:sp>
@@ -265,7 +268,7 @@
               <a:rPr lang="en-US" smtClean="0">
                 <a:latin typeface="Segoe UI" pitchFamily="34" charset="0"/>
               </a:rPr>
-              <a:t>10/5/18 6:09 AM</a:t>
+              <a:t>12/20/2018 3:15 PM</a:t>
             </a:fld>
             <a:endParaRPr lang="en-US" dirty="0">
               <a:latin typeface="Segoe UI" pitchFamily="34" charset="0"/>
@@ -425,7 +428,10 @@
             </a:lvl1pPr>
           </a:lstStyle>
           <a:p>
-            <a:endParaRPr lang="en-US" dirty="0"/>
+            <a:r>
+              <a:rPr lang="en-US" dirty="0"/>
+              <a:t>SharePoint Framework</a:t>
+            </a:r>
           </a:p>
         </p:txBody>
       </p:sp>
@@ -559,7 +565,7 @@
           <a:p>
             <a:fld id="{D18B56EA-E28F-4F92-9F16-7A6F2501B303}" type="datetime8">
               <a:rPr lang="en-US" smtClean="0"/>
-              <a:t>10/5/18 6:09 AM</a:t>
+              <a:t>12/20/2018 3:15 PM</a:t>
             </a:fld>
             <a:endParaRPr lang="en-US" dirty="0"/>
           </a:p>
@@ -942,7 +948,7 @@
           <a:p>
             <a:fld id="{D18B56EA-E28F-4F92-9F16-7A6F2501B303}" type="datetime8">
               <a:rPr lang="en-US" smtClean="0"/>
-              <a:t>10/5/18 6:22 AM</a:t>
+              <a:t>12/20/2018 3:15 PM</a:t>
             </a:fld>
             <a:endParaRPr lang="en-US" dirty="0"/>
           </a:p>
@@ -1123,7 +1129,7 @@
           <a:p>
             <a:fld id="{D18B56EA-E28F-4F92-9F16-7A6F2501B303}" type="datetime8">
               <a:rPr lang="en-US" smtClean="0"/>
-              <a:t>10/5/18 6:22 AM</a:t>
+              <a:t>12/20/2018 3:15 PM</a:t>
             </a:fld>
             <a:endParaRPr lang="en-US" dirty="0"/>
           </a:p>
@@ -1458,7 +1464,7 @@
           <a:p>
             <a:fld id="{D18B56EA-E28F-4F92-9F16-7A6F2501B303}" type="datetime8">
               <a:rPr lang="en-US" smtClean="0"/>
-              <a:t>10/5/18 6:22 AM</a:t>
+              <a:t>12/20/2018 3:16 PM</a:t>
             </a:fld>
             <a:endParaRPr lang="en-US" dirty="0"/>
           </a:p>
@@ -1639,7 +1645,7 @@
           <a:p>
             <a:fld id="{D18B56EA-E28F-4F92-9F16-7A6F2501B303}" type="datetime8">
               <a:rPr lang="en-US" smtClean="0"/>
-              <a:t>10/5/18 6:22 AM</a:t>
+              <a:t>12/20/2018 3:16 PM</a:t>
             </a:fld>
             <a:endParaRPr lang="en-US" dirty="0"/>
           </a:p>
@@ -1820,7 +1826,7 @@
           <a:p>
             <a:fld id="{D18B56EA-E28F-4F92-9F16-7A6F2501B303}" type="datetime8">
               <a:rPr lang="en-US" smtClean="0"/>
-              <a:t>10/5/18 6:22 AM</a:t>
+              <a:t>12/20/2018 3:16 PM</a:t>
             </a:fld>
             <a:endParaRPr lang="en-US" dirty="0"/>
           </a:p>
@@ -2001,7 +2007,7 @@
           <a:p>
             <a:fld id="{D18B56EA-E28F-4F92-9F16-7A6F2501B303}" type="datetime8">
               <a:rPr lang="en-US" smtClean="0"/>
-              <a:t>10/5/18 6:22 AM</a:t>
+              <a:t>12/20/2018 3:16 PM</a:t>
             </a:fld>
             <a:endParaRPr lang="en-US" dirty="0"/>
           </a:p>
@@ -2182,7 +2188,7 @@
           <a:p>
             <a:fld id="{D18B56EA-E28F-4F92-9F16-7A6F2501B303}" type="datetime8">
               <a:rPr lang="en-US" smtClean="0"/>
-              <a:t>10/5/18 6:15 AM</a:t>
+              <a:t>12/20/2018 3:16 PM</a:t>
             </a:fld>
             <a:endParaRPr lang="en-US" dirty="0"/>
           </a:p>
@@ -2363,7 +2369,7 @@
           <a:p>
             <a:fld id="{D18B56EA-E28F-4F92-9F16-7A6F2501B303}" type="datetime8">
               <a:rPr lang="en-US" smtClean="0"/>
-              <a:t>10/5/18 6:15 AM</a:t>
+              <a:t>12/20/2018 3:16 PM</a:t>
             </a:fld>
             <a:endParaRPr lang="en-US" dirty="0"/>
           </a:p>
@@ -6642,7 +6648,7 @@
           <a:lstStyle/>
           <a:p>
             <a:r>
-              <a:rPr lang="en-US"/>
+              <a:rPr lang="en-US" dirty="0"/>
               <a:t>Click icon to add table</a:t>
             </a:r>
           </a:p>
@@ -7089,27 +7095,31 @@
             <p:ph type="title" hasCustomPrompt="1"/>
           </p:nvPr>
         </p:nvSpPr>
-        <p:spPr/>
+        <p:spPr>
+          <a:xfrm>
+            <a:off x="464400" y="633600"/>
+            <a:ext cx="11575200" cy="410369"/>
+          </a:xfrm>
+        </p:spPr>
         <p:txBody>
-          <a:bodyPr/>
+          <a:bodyPr vert="horz" wrap="square" lIns="0" tIns="0" rIns="0" bIns="0" rtlCol="0" anchor="t">
+            <a:spAutoFit/>
+          </a:bodyPr>
           <a:lstStyle>
             <a:lvl1pPr>
-              <a:defRPr>
-                <a:gradFill>
-                  <a:gsLst>
-                    <a:gs pos="1250">
-                      <a:schemeClr val="tx2"/>
-                    </a:gs>
-                    <a:gs pos="100000">
-                      <a:schemeClr val="tx2"/>
-                    </a:gs>
-                  </a:gsLst>
-                  <a:lin ang="5400000" scaled="0"/>
-                </a:gradFill>
+              <a:defRPr lang="en-US" sz="2800" dirty="0">
+                <a:solidFill>
+                  <a:srgbClr val="2F2F2F"/>
+                </a:solidFill>
               </a:defRPr>
             </a:lvl1pPr>
           </a:lstStyle>
           <a:p>
+            <a:pPr lvl="0">
+              <a:lnSpc>
+                <a:spcPts val="3200"/>
+              </a:lnSpc>
+            </a:pPr>
             <a:r>
               <a:rPr lang="en-US" dirty="0"/>
               <a:t>Slide for Developer Code</a:t>
@@ -7202,8 +7212,8 @@
         </p:nvSpPr>
         <p:spPr>
           <a:xfrm>
-            <a:off x="528849" y="1476622"/>
-            <a:ext cx="11378776" cy="2360774"/>
+            <a:off x="464400" y="1178952"/>
+            <a:ext cx="11575200" cy="2658444"/>
           </a:xfrm>
         </p:spPr>
         <p:txBody>
@@ -7318,38 +7328,37 @@
           <a:p>
             <a:pPr lvl="0"/>
             <a:r>
-              <a:rPr lang="en-US"/>
+              <a:rPr lang="en-US" dirty="0"/>
               <a:t>Click to edit Master text styles</a:t>
             </a:r>
           </a:p>
           <a:p>
             <a:pPr lvl="1"/>
             <a:r>
-              <a:rPr lang="en-US"/>
+              <a:rPr lang="en-US" dirty="0"/>
               <a:t>Second level</a:t>
             </a:r>
           </a:p>
           <a:p>
             <a:pPr lvl="2"/>
             <a:r>
-              <a:rPr lang="en-US"/>
+              <a:rPr lang="en-US" dirty="0"/>
               <a:t>Third level</a:t>
             </a:r>
           </a:p>
           <a:p>
             <a:pPr lvl="3"/>
             <a:r>
-              <a:rPr lang="en-US"/>
+              <a:rPr lang="en-US" dirty="0"/>
               <a:t>Fourth level</a:t>
             </a:r>
           </a:p>
           <a:p>
             <a:pPr lvl="4"/>
             <a:r>
-              <a:rPr lang="en-US"/>
+              <a:rPr lang="en-US" dirty="0"/>
               <a:t>Fifth level</a:t>
             </a:r>
-            <a:endParaRPr lang="en-US" dirty="0"/>
           </a:p>
         </p:txBody>
       </p:sp>
@@ -7386,36 +7395,6 @@
           <a:chExt cx="0" cy="0"/>
         </a:xfrm>
       </p:grpSpPr>
-      <p:pic>
-        <p:nvPicPr>
-          <p:cNvPr id="7" name="Picture 6"/>
-          <p:cNvPicPr>
-            <a:picLocks noChangeAspect="1"/>
-          </p:cNvPicPr>
-          <p:nvPr userDrawn="1"/>
-        </p:nvPicPr>
-        <p:blipFill>
-          <a:blip r:embed="rId2" cstate="screen">
-            <a:extLst>
-              <a:ext uri="{28A0092B-C50C-407E-A947-70E740481C1C}">
-                <a14:useLocalDpi xmlns:a14="http://schemas.microsoft.com/office/drawing/2010/main"/>
-              </a:ext>
-            </a:extLst>
-          </a:blip>
-          <a:stretch>
-            <a:fillRect/>
-          </a:stretch>
-        </p:blipFill>
-        <p:spPr>
-          <a:xfrm>
-            <a:off x="10933639" y="6533467"/>
-            <a:ext cx="1501954" cy="477297"/>
-          </a:xfrm>
-          <a:prstGeom prst="rect">
-            <a:avLst/>
-          </a:prstGeom>
-        </p:spPr>
-      </p:pic>
       <p:sp>
         <p:nvSpPr>
           <p:cNvPr id="2" name="Title 1"/>
@@ -7426,16 +7405,35 @@
             <p:ph type="title"/>
           </p:nvPr>
         </p:nvSpPr>
-        <p:spPr/>
+        <p:spPr>
+          <a:xfrm>
+            <a:off x="464400" y="633600"/>
+            <a:ext cx="11574000" cy="410369"/>
+          </a:xfrm>
+        </p:spPr>
         <p:txBody>
-          <a:bodyPr/>
-          <a:lstStyle/>
-          <a:p>
-            <a:r>
-              <a:rPr lang="en-US"/>
+          <a:bodyPr vert="horz" wrap="square" lIns="0" tIns="0" rIns="0" bIns="0" rtlCol="0" anchor="t">
+            <a:spAutoFit/>
+          </a:bodyPr>
+          <a:lstStyle>
+            <a:lvl1pPr>
+              <a:defRPr lang="en-US" sz="2800" dirty="0">
+                <a:solidFill>
+                  <a:srgbClr val="2F2F2F"/>
+                </a:solidFill>
+              </a:defRPr>
+            </a:lvl1pPr>
+          </a:lstStyle>
+          <a:p>
+            <a:pPr lvl="0">
+              <a:lnSpc>
+                <a:spcPts val="3200"/>
+              </a:lnSpc>
+            </a:pPr>
+            <a:r>
+              <a:rPr lang="en-US" dirty="0"/>
               <a:t>Click to edit Master title style</a:t>
             </a:r>
-            <a:endParaRPr lang="en-US" dirty="0"/>
           </a:p>
         </p:txBody>
       </p:sp>
@@ -7451,8 +7449,8 @@
         </p:nvSpPr>
         <p:spPr>
           <a:xfrm>
-            <a:off x="274638" y="1212850"/>
-            <a:ext cx="11887200" cy="1889748"/>
+            <a:off x="464400" y="1212850"/>
+            <a:ext cx="11574000" cy="1346522"/>
           </a:xfrm>
         </p:spPr>
         <p:txBody>
@@ -7460,7 +7458,7 @@
           <a:lstStyle>
             <a:lvl1pPr marL="0" indent="0">
               <a:buNone/>
-              <a:defRPr>
+              <a:defRPr sz="2400">
                 <a:solidFill>
                   <a:schemeClr val="tx2"/>
                 </a:solidFill>
@@ -7469,56 +7467,55 @@
             <a:lvl2pPr marL="0" indent="0">
               <a:buFontTx/>
               <a:buNone/>
-              <a:defRPr sz="2000"/>
+              <a:defRPr sz="1400"/>
             </a:lvl2pPr>
             <a:lvl3pPr marL="228600" indent="0">
               <a:buNone/>
-              <a:defRPr sz="1800"/>
+              <a:defRPr sz="1200"/>
             </a:lvl3pPr>
             <a:lvl4pPr marL="457200" indent="0">
               <a:buNone/>
-              <a:defRPr sz="1600"/>
+              <a:defRPr sz="1100"/>
             </a:lvl4pPr>
             <a:lvl5pPr marL="685800" indent="0">
               <a:buNone/>
-              <a:defRPr sz="1400"/>
+              <a:defRPr sz="1050"/>
             </a:lvl5pPr>
           </a:lstStyle>
           <a:p>
             <a:pPr lvl="0"/>
             <a:r>
-              <a:rPr lang="en-US"/>
+              <a:rPr lang="en-US" dirty="0"/>
               <a:t>Edit Master text styles</a:t>
             </a:r>
           </a:p>
           <a:p>
             <a:pPr lvl="1"/>
             <a:r>
-              <a:rPr lang="en-US"/>
+              <a:rPr lang="en-US" dirty="0"/>
               <a:t>Second level</a:t>
             </a:r>
           </a:p>
           <a:p>
             <a:pPr lvl="2"/>
             <a:r>
-              <a:rPr lang="en-US"/>
+              <a:rPr lang="en-US" dirty="0"/>
               <a:t>Third level</a:t>
             </a:r>
           </a:p>
           <a:p>
             <a:pPr lvl="3"/>
             <a:r>
-              <a:rPr lang="en-US"/>
+              <a:rPr lang="en-US" dirty="0"/>
               <a:t>Fourth level</a:t>
             </a:r>
           </a:p>
           <a:p>
             <a:pPr lvl="4"/>
             <a:r>
-              <a:rPr lang="en-US"/>
+              <a:rPr lang="en-US" dirty="0"/>
               <a:t>Fifth level</a:t>
             </a:r>
-            <a:endParaRPr lang="en-US" dirty="0"/>
           </a:p>
         </p:txBody>
       </p:sp>
@@ -7565,23 +7562,42 @@
             <p:ph type="title"/>
           </p:nvPr>
         </p:nvSpPr>
-        <p:spPr/>
+        <p:spPr>
+          <a:xfrm>
+            <a:off x="464400" y="633600"/>
+            <a:ext cx="11574000" cy="410369"/>
+          </a:xfrm>
+        </p:spPr>
         <p:txBody>
-          <a:bodyPr/>
-          <a:lstStyle/>
-          <a:p>
-            <a:r>
-              <a:rPr lang="en-US"/>
+          <a:bodyPr vert="horz" wrap="square" lIns="0" tIns="0" rIns="0" bIns="0" rtlCol="0" anchor="t">
+            <a:spAutoFit/>
+          </a:bodyPr>
+          <a:lstStyle>
+            <a:lvl1pPr>
+              <a:defRPr lang="en-US" sz="2800" dirty="0">
+                <a:solidFill>
+                  <a:srgbClr val="2F2F2F"/>
+                </a:solidFill>
+              </a:defRPr>
+            </a:lvl1pPr>
+          </a:lstStyle>
+          <a:p>
+            <a:pPr lvl="0">
+              <a:lnSpc>
+                <a:spcPts val="3200"/>
+              </a:lnSpc>
+            </a:pPr>
+            <a:r>
+              <a:rPr lang="en-US" dirty="0"/>
               <a:t>Click to edit Master title style</a:t>
             </a:r>
-            <a:endParaRPr lang="en-US" dirty="0"/>
           </a:p>
         </p:txBody>
       </p:sp>
     </p:spTree>
     <p:extLst>
       <p:ext uri="{BB962C8B-B14F-4D97-AF65-F5344CB8AC3E}">
-        <p14:creationId xmlns:p14="http://schemas.microsoft.com/office/powerpoint/2010/main" val="1467723100"/>
+        <p14:creationId xmlns:p14="http://schemas.microsoft.com/office/powerpoint/2010/main" val="515024452"/>
       </p:ext>
     </p:extLst>
   </p:cSld>
@@ -7623,8 +7639,8 @@
         </p:nvSpPr>
         <p:spPr>
           <a:xfrm>
-            <a:off x="274638" y="1212850"/>
-            <a:ext cx="11887200" cy="2240229"/>
+            <a:off x="464400" y="1212850"/>
+            <a:ext cx="11574000" cy="1566583"/>
           </a:xfrm>
         </p:spPr>
         <p:txBody>
@@ -7632,51 +7648,56 @@
             <a:spAutoFit/>
           </a:bodyPr>
           <a:lstStyle>
+            <a:lvl1pPr>
+              <a:defRPr sz="2400"/>
+            </a:lvl1pPr>
+            <a:lvl2pPr>
+              <a:defRPr sz="1800"/>
+            </a:lvl2pPr>
             <a:lvl3pPr>
-              <a:defRPr sz="2399"/>
+              <a:defRPr sz="1600"/>
             </a:lvl3pPr>
             <a:lvl4pPr>
-              <a:defRPr sz="1999"/>
+              <a:defRPr sz="1400"/>
             </a:lvl4pPr>
             <a:lvl5pPr>
-              <a:defRPr sz="1999"/>
+              <a:defRPr sz="1400"/>
             </a:lvl5pPr>
           </a:lstStyle>
           <a:p>
             <a:pPr lvl="0"/>
             <a:r>
-              <a:rPr lang="en-US"/>
+              <a:rPr lang="en-US" dirty="0"/>
               <a:t>Edit Master text styles</a:t>
             </a:r>
           </a:p>
           <a:p>
             <a:pPr lvl="1"/>
             <a:r>
-              <a:rPr lang="en-US"/>
+              <a:rPr lang="en-US" dirty="0"/>
               <a:t>Second level</a:t>
             </a:r>
           </a:p>
           <a:p>
             <a:pPr lvl="2"/>
             <a:r>
-              <a:rPr lang="en-US"/>
+              <a:rPr lang="en-US" dirty="0"/>
               <a:t>Third level</a:t>
             </a:r>
           </a:p>
           <a:p>
             <a:pPr lvl="3"/>
             <a:r>
-              <a:rPr lang="en-US"/>
+              <a:rPr lang="en-US" dirty="0"/>
               <a:t>Fourth level</a:t>
             </a:r>
           </a:p>
           <a:p>
             <a:pPr lvl="4"/>
             <a:r>
-              <a:rPr lang="en-US"/>
+              <a:rPr lang="en-US" dirty="0"/>
               <a:t>Fifth level</a:t>
             </a:r>
-            <a:endParaRPr lang="en-US" dirty="0"/>
           </a:p>
         </p:txBody>
       </p:sp>
@@ -7690,13 +7711,33 @@
             <p:ph type="title"/>
           </p:nvPr>
         </p:nvSpPr>
-        <p:spPr/>
+        <p:spPr>
+          <a:xfrm>
+            <a:off x="464400" y="633600"/>
+            <a:ext cx="11574000" cy="410369"/>
+          </a:xfrm>
+        </p:spPr>
         <p:txBody>
-          <a:bodyPr/>
-          <a:lstStyle/>
-          <a:p>
-            <a:r>
-              <a:rPr lang="en-US"/>
+          <a:bodyPr vert="horz" wrap="square" lIns="0" tIns="0" rIns="0" bIns="0" rtlCol="0" anchor="t">
+            <a:spAutoFit/>
+          </a:bodyPr>
+          <a:lstStyle>
+            <a:lvl1pPr>
+              <a:defRPr lang="en-US" sz="2800">
+                <a:solidFill>
+                  <a:srgbClr val="2F2F2F"/>
+                </a:solidFill>
+              </a:defRPr>
+            </a:lvl1pPr>
+          </a:lstStyle>
+          <a:p>
+            <a:pPr lvl="0">
+              <a:lnSpc>
+                <a:spcPts val="3200"/>
+              </a:lnSpc>
+            </a:pPr>
+            <a:r>
+              <a:rPr lang="en-US" dirty="0"/>
               <a:t>Click to edit Master title style</a:t>
             </a:r>
           </a:p>
@@ -7705,7 +7746,7 @@
     </p:spTree>
     <p:extLst>
       <p:ext uri="{BB962C8B-B14F-4D97-AF65-F5344CB8AC3E}">
-        <p14:creationId xmlns:p14="http://schemas.microsoft.com/office/powerpoint/2010/main" val="3733558018"/>
+        <p14:creationId xmlns:p14="http://schemas.microsoft.com/office/powerpoint/2010/main" val="2439250095"/>
       </p:ext>
     </p:extLst>
   </p:cSld>
@@ -14617,7 +14658,7 @@
     <p:sldLayoutId id="2147484552" r:id="rId26"/>
     <p:sldLayoutId id="2147484556" r:id="rId27"/>
     <p:sldLayoutId id="2147484557" r:id="rId28"/>
-    <p:sldLayoutId id="2147484558" r:id="rId29"/>
+    <p:sldLayoutId id="2147484559" r:id="rId29"/>
   </p:sldLayoutIdLst>
   <p:transition>
     <p:fade/>
@@ -15180,7 +15221,7 @@
     </p:spTree>
     <p:extLst>
       <p:ext uri="{BB962C8B-B14F-4D97-AF65-F5344CB8AC3E}">
-        <p14:creationId xmlns:p14="http://schemas.microsoft.com/office/powerpoint/2010/main" val="699719167"/>
+        <p14:creationId xmlns:p14="http://schemas.microsoft.com/office/powerpoint/2010/main" val="3811075373"/>
       </p:ext>
     </p:extLst>
   </p:cSld>
@@ -15244,7 +15285,7 @@
     </p:spTree>
     <p:extLst>
       <p:ext uri="{BB962C8B-B14F-4D97-AF65-F5344CB8AC3E}">
-        <p14:creationId xmlns:p14="http://schemas.microsoft.com/office/powerpoint/2010/main" val="3724015835"/>
+        <p14:creationId xmlns:p14="http://schemas.microsoft.com/office/powerpoint/2010/main" val="2526297767"/>
       </p:ext>
     </p:extLst>
   </p:cSld>
@@ -15286,7 +15327,7 @@
     </p:spTree>
     <p:extLst>
       <p:ext uri="{BB962C8B-B14F-4D97-AF65-F5344CB8AC3E}">
-        <p14:creationId xmlns:p14="http://schemas.microsoft.com/office/powerpoint/2010/main" val="3660847957"/>
+        <p14:creationId xmlns:p14="http://schemas.microsoft.com/office/powerpoint/2010/main" val="1500130403"/>
       </p:ext>
     </p:extLst>
   </p:cSld>
@@ -15560,7 +15601,7 @@
     </p:spTree>
     <p:extLst>
       <p:ext uri="{BB962C8B-B14F-4D97-AF65-F5344CB8AC3E}">
-        <p14:creationId xmlns:p14="http://schemas.microsoft.com/office/powerpoint/2010/main" val="60090990"/>
+        <p14:creationId xmlns:p14="http://schemas.microsoft.com/office/powerpoint/2010/main" val="1349393287"/>
       </p:ext>
     </p:extLst>
   </p:cSld>
@@ -15633,7 +15674,7 @@
             <a:grpFill/>
             <a:ln w="38100">
               <a:solidFill>
-                <a:schemeClr val="accent1"/>
+                <a:schemeClr val="accent2"/>
               </a:solidFill>
               <a:headEnd type="none"/>
               <a:tailEnd type="none"/>
@@ -15670,9 +15711,7 @@
             </a:prstGeom>
             <a:grpFill/>
             <a:ln>
-              <a:solidFill>
-                <a:schemeClr val="accent1"/>
-              </a:solidFill>
+              <a:noFill/>
               <a:headEnd type="none" w="med" len="med"/>
               <a:tailEnd type="none" w="med" len="med"/>
             </a:ln>
@@ -15777,7 +15816,7 @@
             <a:grpFill/>
             <a:ln w="38100">
               <a:solidFill>
-                <a:schemeClr val="accent1"/>
+                <a:schemeClr val="accent2"/>
               </a:solidFill>
               <a:headEnd type="none"/>
               <a:tailEnd type="none"/>
@@ -15814,9 +15853,7 @@
             </a:prstGeom>
             <a:grpFill/>
             <a:ln>
-              <a:solidFill>
-                <a:schemeClr val="accent1"/>
-              </a:solidFill>
+              <a:noFill/>
               <a:headEnd type="none" w="med" len="med"/>
               <a:tailEnd type="none" w="med" len="med"/>
             </a:ln>
@@ -15921,7 +15958,7 @@
             <a:grpFill/>
             <a:ln w="38100">
               <a:solidFill>
-                <a:schemeClr val="accent1"/>
+                <a:schemeClr val="accent2"/>
               </a:solidFill>
               <a:headEnd type="none"/>
               <a:tailEnd type="none"/>
@@ -15958,9 +15995,7 @@
             </a:prstGeom>
             <a:grpFill/>
             <a:ln>
-              <a:solidFill>
-                <a:schemeClr val="accent1"/>
-              </a:solidFill>
+              <a:noFill/>
               <a:headEnd type="none" w="med" len="med"/>
               <a:tailEnd type="none" w="med" len="med"/>
             </a:ln>
@@ -16065,7 +16100,7 @@
             <a:grpFill/>
             <a:ln w="38100">
               <a:solidFill>
-                <a:schemeClr val="accent1"/>
+                <a:schemeClr val="accent2"/>
               </a:solidFill>
               <a:headEnd type="none"/>
               <a:tailEnd type="none"/>
@@ -16102,9 +16137,7 @@
             </a:prstGeom>
             <a:grpFill/>
             <a:ln>
-              <a:solidFill>
-                <a:schemeClr val="accent1"/>
-              </a:solidFill>
+              <a:noFill/>
               <a:headEnd type="none" w="med" len="med"/>
               <a:tailEnd type="none" w="med" len="med"/>
             </a:ln>
@@ -16183,8 +16216,8 @@
         </p:nvSpPr>
         <p:spPr>
           <a:xfrm>
-            <a:off x="655448" y="1687474"/>
-            <a:ext cx="3180258" cy="1464574"/>
+            <a:off x="485743" y="1687474"/>
+            <a:ext cx="3349963" cy="1464574"/>
           </a:xfrm>
           <a:prstGeom prst="rect">
             <a:avLst/>
@@ -16235,7 +16268,7 @@
                 <a:uFillTx/>
                 <a:latin typeface="+mj-lt"/>
               </a:rPr>
-              <a:t>Configurable, reusable, purpose built components</a:t>
+              <a:t>Configurable, reusable, purpose-built components</a:t>
             </a:r>
           </a:p>
         </p:txBody>
@@ -17295,14 +17328,23 @@
             <p:ph type="title"/>
           </p:nvPr>
         </p:nvSpPr>
-        <p:spPr/>
+        <p:spPr>
+          <a:xfrm>
+            <a:off x="464400" y="633600"/>
+            <a:ext cx="11574000" cy="387798"/>
+          </a:xfrm>
+        </p:spPr>
         <p:txBody>
           <a:bodyPr/>
           <a:lstStyle/>
           <a:p>
             <a:r>
-              <a:rPr lang="en-US" dirty="0"/>
-              <a:t>SharePoint web parts</a:t>
+              <a:rPr lang="en-US"/>
+              <a:t>SharePoint client-side web </a:t>
+            </a:r>
+            <a:r>
+              <a:rPr lang="en-US" dirty="0"/>
+              <a:t>parts</a:t>
             </a:r>
           </a:p>
         </p:txBody>
@@ -19311,8 +19353,8 @@
         </p:nvSpPr>
         <p:spPr>
           <a:xfrm>
-            <a:off x="274638" y="1212850"/>
-            <a:ext cx="11887200" cy="3730252"/>
+            <a:off x="464400" y="1212850"/>
+            <a:ext cx="11574000" cy="3360920"/>
           </a:xfrm>
         </p:spPr>
         <p:txBody>
@@ -19323,6 +19365,12 @@
               <a:rPr lang="en-US" dirty="0"/>
               <a:t>Once a page is in edit mode, add via web part toolbox</a:t>
             </a:r>
+          </a:p>
+          <a:p>
+            <a:endParaRPr lang="en-US" dirty="0"/>
+          </a:p>
+          <a:p>
+            <a:endParaRPr lang="en-US" dirty="0"/>
           </a:p>
           <a:p>
             <a:endParaRPr lang="en-US" dirty="0"/>
@@ -19402,7 +19450,7 @@
         </p:blipFill>
         <p:spPr>
           <a:xfrm>
-            <a:off x="2665741" y="2062541"/>
+            <a:off x="2591179" y="1993488"/>
             <a:ext cx="7104993" cy="1799644"/>
           </a:xfrm>
           <a:prstGeom prst="rect">
@@ -19462,7 +19510,7 @@
         </p:blipFill>
         <p:spPr>
           <a:xfrm>
-            <a:off x="826054" y="5008552"/>
+            <a:off x="933778" y="4742651"/>
             <a:ext cx="5317622" cy="1775016"/>
           </a:xfrm>
           <a:prstGeom prst="rect">
@@ -19522,7 +19570,7 @@
         </p:blipFill>
         <p:spPr>
           <a:xfrm>
-            <a:off x="6695091" y="4943102"/>
+            <a:off x="6883628" y="4742651"/>
             <a:ext cx="4331630" cy="1905917"/>
           </a:xfrm>
           <a:prstGeom prst="rect">
@@ -19680,12 +19728,7 @@
             <p:ph type="body" sz="quarter" idx="10"/>
           </p:nvPr>
         </p:nvSpPr>
-        <p:spPr>
-          <a:xfrm>
-            <a:off x="274638" y="1212850"/>
-            <a:ext cx="11887200" cy="5761577"/>
-          </a:xfrm>
-        </p:spPr>
+        <p:spPr/>
         <p:txBody>
           <a:bodyPr/>
           <a:lstStyle/>
@@ -19780,15 +19823,15 @@
           <a:lstStyle/>
           <a:p>
             <a:r>
-              <a:rPr lang="en-US" sz="4400" dirty="0"/>
+              <a:rPr lang="en-US" dirty="0"/>
               <a:t>Validate local </a:t>
             </a:r>
             <a:r>
-              <a:rPr lang="en-US" sz="4400" dirty="0" err="1"/>
+              <a:rPr lang="en-US" dirty="0" err="1"/>
               <a:t>SPFx</a:t>
             </a:r>
             <a:r>
-              <a:rPr lang="en-US" sz="4400" dirty="0"/>
+              <a:rPr lang="en-US" dirty="0"/>
               <a:t> development configuration</a:t>
             </a:r>
           </a:p>
@@ -19810,7 +19853,7 @@
         </p:nvSpPr>
         <p:spPr bwMode="auto">
           <a:xfrm>
-            <a:off x="709404" y="4431081"/>
+            <a:off x="851565" y="3497262"/>
             <a:ext cx="8749906" cy="587441"/>
           </a:xfrm>
           <a:prstGeom prst="rect">
@@ -19918,7 +19961,7 @@
         </p:nvSpPr>
         <p:spPr bwMode="auto">
           <a:xfrm>
-            <a:off x="625322" y="6266924"/>
+            <a:off x="851565" y="4678984"/>
             <a:ext cx="8749906" cy="587441"/>
           </a:xfrm>
           <a:prstGeom prst="rect">
@@ -20556,7 +20599,7 @@
     </p:spTree>
     <p:extLst>
       <p:ext uri="{BB962C8B-B14F-4D97-AF65-F5344CB8AC3E}">
-        <p14:creationId xmlns:p14="http://schemas.microsoft.com/office/powerpoint/2010/main" val="2509242320"/>
+        <p14:creationId xmlns:p14="http://schemas.microsoft.com/office/powerpoint/2010/main" val="2528461008"/>
       </p:ext>
     </p:extLst>
   </p:cSld>

--- a/03-using.pptx
+++ b/03-using.pptx
@@ -268,7 +268,7 @@
               <a:rPr lang="en-US" smtClean="0">
                 <a:latin typeface="Segoe UI" pitchFamily="34" charset="0"/>
               </a:rPr>
-              <a:t>12/20/2018 3:15 PM</a:t>
+              <a:t>8/25/2019 5:33 PM</a:t>
             </a:fld>
             <a:endParaRPr lang="en-US" dirty="0">
               <a:latin typeface="Segoe UI" pitchFamily="34" charset="0"/>
@@ -565,7 +565,7 @@
           <a:p>
             <a:fld id="{D18B56EA-E28F-4F92-9F16-7A6F2501B303}" type="datetime8">
               <a:rPr lang="en-US" smtClean="0"/>
-              <a:t>12/20/2018 3:15 PM</a:t>
+              <a:t>8/25/2019 5:32 PM</a:t>
             </a:fld>
             <a:endParaRPr lang="en-US" dirty="0"/>
           </a:p>
@@ -948,7 +948,7 @@
           <a:p>
             <a:fld id="{D18B56EA-E28F-4F92-9F16-7A6F2501B303}" type="datetime8">
               <a:rPr lang="en-US" smtClean="0"/>
-              <a:t>12/20/2018 3:15 PM</a:t>
+              <a:t>8/25/2019 5:32 PM</a:t>
             </a:fld>
             <a:endParaRPr lang="en-US" dirty="0"/>
           </a:p>
@@ -1129,7 +1129,7 @@
           <a:p>
             <a:fld id="{D18B56EA-E28F-4F92-9F16-7A6F2501B303}" type="datetime8">
               <a:rPr lang="en-US" smtClean="0"/>
-              <a:t>12/20/2018 3:15 PM</a:t>
+              <a:t>8/25/2019 5:32 PM</a:t>
             </a:fld>
             <a:endParaRPr lang="en-US" dirty="0"/>
           </a:p>
@@ -1464,7 +1464,7 @@
           <a:p>
             <a:fld id="{D18B56EA-E28F-4F92-9F16-7A6F2501B303}" type="datetime8">
               <a:rPr lang="en-US" smtClean="0"/>
-              <a:t>12/20/2018 3:16 PM</a:t>
+              <a:t>8/25/2019 5:32 PM</a:t>
             </a:fld>
             <a:endParaRPr lang="en-US" dirty="0"/>
           </a:p>
@@ -1645,7 +1645,7 @@
           <a:p>
             <a:fld id="{D18B56EA-E28F-4F92-9F16-7A6F2501B303}" type="datetime8">
               <a:rPr lang="en-US" smtClean="0"/>
-              <a:t>12/20/2018 3:16 PM</a:t>
+              <a:t>8/25/2019 5:32 PM</a:t>
             </a:fld>
             <a:endParaRPr lang="en-US" dirty="0"/>
           </a:p>
@@ -1826,7 +1826,7 @@
           <a:p>
             <a:fld id="{D18B56EA-E28F-4F92-9F16-7A6F2501B303}" type="datetime8">
               <a:rPr lang="en-US" smtClean="0"/>
-              <a:t>12/20/2018 3:16 PM</a:t>
+              <a:t>8/25/2019 5:32 PM</a:t>
             </a:fld>
             <a:endParaRPr lang="en-US" dirty="0"/>
           </a:p>
@@ -2007,7 +2007,7 @@
           <a:p>
             <a:fld id="{D18B56EA-E28F-4F92-9F16-7A6F2501B303}" type="datetime8">
               <a:rPr lang="en-US" smtClean="0"/>
-              <a:t>12/20/2018 3:16 PM</a:t>
+              <a:t>8/25/2019 5:32 PM</a:t>
             </a:fld>
             <a:endParaRPr lang="en-US" dirty="0"/>
           </a:p>
@@ -2188,7 +2188,7 @@
           <a:p>
             <a:fld id="{D18B56EA-E28F-4F92-9F16-7A6F2501B303}" type="datetime8">
               <a:rPr lang="en-US" smtClean="0"/>
-              <a:t>12/20/2018 3:16 PM</a:t>
+              <a:t>8/25/2019 5:32 PM</a:t>
             </a:fld>
             <a:endParaRPr lang="en-US" dirty="0"/>
           </a:p>
@@ -2369,7 +2369,7 @@
           <a:p>
             <a:fld id="{D18B56EA-E28F-4F92-9F16-7A6F2501B303}" type="datetime8">
               <a:rPr lang="en-US" smtClean="0"/>
-              <a:t>12/20/2018 3:16 PM</a:t>
+              <a:t>8/25/2019 5:32 PM</a:t>
             </a:fld>
             <a:endParaRPr lang="en-US" dirty="0"/>
           </a:p>
@@ -19354,7 +19354,7 @@
         <p:spPr>
           <a:xfrm>
             <a:off x="464400" y="1212850"/>
-            <a:ext cx="11574000" cy="3360920"/>
+            <a:ext cx="11613300" cy="2880789"/>
           </a:xfrm>
         </p:spPr>
         <p:txBody>
@@ -19363,7 +19363,14 @@
           <a:p>
             <a:r>
               <a:rPr lang="en-US" dirty="0"/>
-              <a:t>Once a page is in edit mode, add via web part toolbox</a:t>
+              <a:t>Once a page is in edit mode, </a:t>
+            </a:r>
+            <a:br>
+              <a:rPr lang="en-US" dirty="0"/>
+            </a:br>
+            <a:r>
+              <a:rPr lang="en-US" dirty="0"/>
+              <a:t>add via web part toolbox</a:t>
             </a:r>
           </a:p>
           <a:p>
@@ -19379,15 +19386,9 @@
             <a:endParaRPr lang="en-US" dirty="0"/>
           </a:p>
           <a:p>
-            <a:endParaRPr lang="en-US" dirty="0"/>
-          </a:p>
-          <a:p>
-            <a:endParaRPr lang="en-US" dirty="0"/>
-          </a:p>
-          <a:p>
-            <a:r>
-              <a:rPr lang="en-US" dirty="0"/>
-              <a:t>Select a web part and edit inline / property pane</a:t>
+            <a:r>
+              <a:rPr lang="en-US" dirty="0"/>
+              <a:t>Select a web part and edit inline or using the property pane</a:t>
             </a:r>
           </a:p>
         </p:txBody>
@@ -19430,10 +19431,10 @@
       </p:sp>
       <p:pic>
         <p:nvPicPr>
-          <p:cNvPr id="5" name="Picture 4">
+          <p:cNvPr id="6" name="Picture 5">
             <a:extLst>
               <a:ext uri="{FF2B5EF4-FFF2-40B4-BE49-F238E27FC236}">
-                <a16:creationId xmlns:a16="http://schemas.microsoft.com/office/drawing/2014/main" id="{10076D68-4F5E-2140-A139-FEE7C396D7FB}"/>
+                <a16:creationId xmlns:a16="http://schemas.microsoft.com/office/drawing/2014/main" id="{F7B8E421-D7DD-4788-9FFB-4BA635224E02}"/>
               </a:ext>
             </a:extLst>
           </p:cNvPr>
@@ -19450,50 +19451,28 @@
         </p:blipFill>
         <p:spPr>
           <a:xfrm>
-            <a:off x="2591179" y="1993488"/>
-            <a:ext cx="7104993" cy="1799644"/>
+            <a:off x="6763245" y="1212850"/>
+            <a:ext cx="4572396" cy="2248095"/>
           </a:xfrm>
           <a:prstGeom prst="rect">
             <a:avLst/>
           </a:prstGeom>
-          <a:solidFill>
-            <a:srgbClr val="FFFFFF">
-              <a:shade val="85000"/>
-            </a:srgbClr>
-          </a:solidFill>
-          <a:ln w="88900" cap="sq">
+          <a:ln>
             <a:solidFill>
-              <a:srgbClr val="FFFFFF"/>
+              <a:schemeClr val="tx1">
+                <a:lumMod val="25000"/>
+                <a:lumOff val="75000"/>
+              </a:schemeClr>
             </a:solidFill>
-            <a:miter lim="800000"/>
           </a:ln>
-          <a:effectLst>
-            <a:outerShdw blurRad="55000" dist="18000" dir="5400000" algn="tl" rotWithShape="0">
-              <a:srgbClr val="000000">
-                <a:alpha val="40000"/>
-              </a:srgbClr>
-            </a:outerShdw>
-          </a:effectLst>
-          <a:scene3d>
-            <a:camera prst="orthographicFront"/>
-            <a:lightRig rig="twoPt" dir="t">
-              <a:rot lat="0" lon="0" rev="7200000"/>
-            </a:lightRig>
-          </a:scene3d>
-          <a:sp3d>
-            <a:bevelT w="25400" h="19050"/>
-            <a:contourClr>
-              <a:srgbClr val="FFFFFF"/>
-            </a:contourClr>
-          </a:sp3d>
         </p:spPr>
       </p:pic>
       <p:pic>
         <p:nvPicPr>
-          <p:cNvPr id="7" name="Picture 6">
+          <p:cNvPr id="10" name="Picture 9">
             <a:extLst>
               <a:ext uri="{FF2B5EF4-FFF2-40B4-BE49-F238E27FC236}">
-                <a16:creationId xmlns:a16="http://schemas.microsoft.com/office/drawing/2014/main" id="{1B5E086E-3CD4-124B-A818-A3E90268C28A}"/>
+                <a16:creationId xmlns:a16="http://schemas.microsoft.com/office/drawing/2014/main" id="{93F0D892-D6D7-4247-B683-731816E35B69}"/>
               </a:ext>
             </a:extLst>
           </p:cNvPr>
@@ -19510,50 +19489,28 @@
         </p:blipFill>
         <p:spPr>
           <a:xfrm>
-            <a:off x="933778" y="4742651"/>
-            <a:ext cx="5317622" cy="1775016"/>
+            <a:off x="896739" y="4261762"/>
+            <a:ext cx="4572396" cy="2598645"/>
           </a:xfrm>
           <a:prstGeom prst="rect">
             <a:avLst/>
           </a:prstGeom>
-          <a:solidFill>
-            <a:srgbClr val="FFFFFF">
-              <a:shade val="85000"/>
-            </a:srgbClr>
-          </a:solidFill>
-          <a:ln w="88900" cap="sq">
+          <a:ln>
             <a:solidFill>
-              <a:srgbClr val="FFFFFF"/>
+              <a:schemeClr val="tx1">
+                <a:lumMod val="25000"/>
+                <a:lumOff val="75000"/>
+              </a:schemeClr>
             </a:solidFill>
-            <a:miter lim="800000"/>
           </a:ln>
-          <a:effectLst>
-            <a:outerShdw blurRad="55000" dist="18000" dir="5400000" algn="tl" rotWithShape="0">
-              <a:srgbClr val="000000">
-                <a:alpha val="40000"/>
-              </a:srgbClr>
-            </a:outerShdw>
-          </a:effectLst>
-          <a:scene3d>
-            <a:camera prst="orthographicFront"/>
-            <a:lightRig rig="twoPt" dir="t">
-              <a:rot lat="0" lon="0" rev="7200000"/>
-            </a:lightRig>
-          </a:scene3d>
-          <a:sp3d>
-            <a:bevelT w="25400" h="19050"/>
-            <a:contourClr>
-              <a:srgbClr val="FFFFFF"/>
-            </a:contourClr>
-          </a:sp3d>
         </p:spPr>
       </p:pic>
       <p:pic>
         <p:nvPicPr>
-          <p:cNvPr id="9" name="Picture 8">
+          <p:cNvPr id="12" name="Picture 11">
             <a:extLst>
               <a:ext uri="{FF2B5EF4-FFF2-40B4-BE49-F238E27FC236}">
-                <a16:creationId xmlns:a16="http://schemas.microsoft.com/office/drawing/2014/main" id="{784BBFE3-D36A-004A-89CC-F601449DF7B0}"/>
+                <a16:creationId xmlns:a16="http://schemas.microsoft.com/office/drawing/2014/main" id="{38BCBF8A-8AEA-40FC-8063-D0351FB6C242}"/>
               </a:ext>
             </a:extLst>
           </p:cNvPr>
@@ -19570,42 +19527,20 @@
         </p:blipFill>
         <p:spPr>
           <a:xfrm>
-            <a:off x="6883628" y="4742651"/>
-            <a:ext cx="4331630" cy="1905917"/>
+            <a:off x="6212977" y="4262520"/>
+            <a:ext cx="5122664" cy="2253972"/>
           </a:xfrm>
           <a:prstGeom prst="rect">
             <a:avLst/>
           </a:prstGeom>
-          <a:solidFill>
-            <a:srgbClr val="FFFFFF">
-              <a:shade val="85000"/>
-            </a:srgbClr>
-          </a:solidFill>
-          <a:ln w="88900" cap="sq">
+          <a:ln>
             <a:solidFill>
-              <a:srgbClr val="FFFFFF"/>
+              <a:schemeClr val="tx1">
+                <a:lumMod val="25000"/>
+                <a:lumOff val="75000"/>
+              </a:schemeClr>
             </a:solidFill>
-            <a:miter lim="800000"/>
           </a:ln>
-          <a:effectLst>
-            <a:outerShdw blurRad="55000" dist="18000" dir="5400000" algn="tl" rotWithShape="0">
-              <a:srgbClr val="000000">
-                <a:alpha val="40000"/>
-              </a:srgbClr>
-            </a:outerShdw>
-          </a:effectLst>
-          <a:scene3d>
-            <a:camera prst="orthographicFront"/>
-            <a:lightRig rig="twoPt" dir="t">
-              <a:rot lat="0" lon="0" rev="7200000"/>
-            </a:lightRig>
-          </a:scene3d>
-          <a:sp3d>
-            <a:bevelT w="25400" h="19050"/>
-            <a:contourClr>
-              <a:srgbClr val="FFFFFF"/>
-            </a:contourClr>
-          </a:sp3d>
         </p:spPr>
       </p:pic>
     </p:spTree>

--- a/03-using.pptx
+++ b/03-using.pptx
@@ -268,7 +268,7 @@
               <a:rPr lang="en-US" smtClean="0">
                 <a:latin typeface="Segoe UI" pitchFamily="34" charset="0"/>
               </a:rPr>
-              <a:t>8/25/2019 5:33 PM</a:t>
+              <a:t>2/23/20 6:14 AM</a:t>
             </a:fld>
             <a:endParaRPr lang="en-US" dirty="0">
               <a:latin typeface="Segoe UI" pitchFamily="34" charset="0"/>
@@ -565,7 +565,7 @@
           <a:p>
             <a:fld id="{D18B56EA-E28F-4F92-9F16-7A6F2501B303}" type="datetime8">
               <a:rPr lang="en-US" smtClean="0"/>
-              <a:t>8/25/2019 5:32 PM</a:t>
+              <a:t>2/23/20 6:14 AM</a:t>
             </a:fld>
             <a:endParaRPr lang="en-US" dirty="0"/>
           </a:p>
@@ -948,7 +948,7 @@
           <a:p>
             <a:fld id="{D18B56EA-E28F-4F92-9F16-7A6F2501B303}" type="datetime8">
               <a:rPr lang="en-US" smtClean="0"/>
-              <a:t>8/25/2019 5:32 PM</a:t>
+              <a:t>2/23/20 6:14 AM</a:t>
             </a:fld>
             <a:endParaRPr lang="en-US" dirty="0"/>
           </a:p>
@@ -982,6 +982,187 @@
     <p:extLst>
       <p:ext uri="{BB962C8B-B14F-4D97-AF65-F5344CB8AC3E}">
         <p14:creationId xmlns:p14="http://schemas.microsoft.com/office/powerpoint/2010/main" val="909857904"/>
+      </p:ext>
+    </p:extLst>
+  </p:cSld>
+  <p:clrMapOvr>
+    <a:masterClrMapping/>
+  </p:clrMapOvr>
+</p:notes>
+</file>
+
+<file path=ppt/notesSlides/notesSlide10.xml><?xml version="1.0" encoding="utf-8"?>
+<p:notes xmlns:a="http://schemas.openxmlformats.org/drawingml/2006/main" xmlns:r="http://schemas.openxmlformats.org/officeDocument/2006/relationships" xmlns:p="http://schemas.openxmlformats.org/presentationml/2006/main">
+  <p:cSld>
+    <p:spTree>
+      <p:nvGrpSpPr>
+        <p:cNvPr id="1" name=""/>
+        <p:cNvGrpSpPr/>
+        <p:nvPr/>
+      </p:nvGrpSpPr>
+      <p:grpSpPr>
+        <a:xfrm>
+          <a:off x="0" y="0"/>
+          <a:ext cx="0" cy="0"/>
+          <a:chOff x="0" y="0"/>
+          <a:chExt cx="0" cy="0"/>
+        </a:xfrm>
+      </p:grpSpPr>
+      <p:sp>
+        <p:nvSpPr>
+          <p:cNvPr id="2" name="Slide Image Placeholder 1"/>
+          <p:cNvSpPr>
+            <a:spLocks noGrp="1" noRot="1" noChangeAspect="1"/>
+          </p:cNvSpPr>
+          <p:nvPr>
+            <p:ph type="sldImg"/>
+          </p:nvPr>
+        </p:nvSpPr>
+        <p:spPr/>
+      </p:sp>
+      <p:sp>
+        <p:nvSpPr>
+          <p:cNvPr id="3" name="Notes Placeholder 2"/>
+          <p:cNvSpPr>
+            <a:spLocks noGrp="1"/>
+          </p:cNvSpPr>
+          <p:nvPr>
+            <p:ph type="body" idx="1"/>
+          </p:nvPr>
+        </p:nvSpPr>
+        <p:spPr/>
+        <p:txBody>
+          <a:bodyPr/>
+          <a:lstStyle/>
+          <a:p>
+            <a:endParaRPr lang="en-US"/>
+          </a:p>
+        </p:txBody>
+      </p:sp>
+      <p:sp>
+        <p:nvSpPr>
+          <p:cNvPr id="4" name="Header Placeholder 3"/>
+          <p:cNvSpPr>
+            <a:spLocks noGrp="1"/>
+          </p:cNvSpPr>
+          <p:nvPr>
+            <p:ph type="hdr" sz="quarter" idx="10"/>
+          </p:nvPr>
+        </p:nvSpPr>
+        <p:spPr/>
+        <p:txBody>
+          <a:bodyPr/>
+          <a:lstStyle/>
+          <a:p>
+            <a:endParaRPr lang="en-US" dirty="0"/>
+          </a:p>
+        </p:txBody>
+      </p:sp>
+      <p:sp>
+        <p:nvSpPr>
+          <p:cNvPr id="5" name="Footer Placeholder 4"/>
+          <p:cNvSpPr>
+            <a:spLocks noGrp="1"/>
+          </p:cNvSpPr>
+          <p:nvPr>
+            <p:ph type="ftr" sz="quarter" idx="11"/>
+          </p:nvPr>
+        </p:nvSpPr>
+        <p:spPr/>
+        <p:txBody>
+          <a:bodyPr/>
+          <a:lstStyle/>
+          <a:p>
+            <a:pPr defTabSz="914099" eaLnBrk="0" hangingPunct="0"/>
+            <a:r>
+              <a:rPr lang="en-US" sz="400">
+                <a:gradFill>
+                  <a:gsLst>
+                    <a:gs pos="0">
+                      <a:prstClr val="black"/>
+                    </a:gs>
+                    <a:gs pos="100000">
+                      <a:prstClr val="black"/>
+                    </a:gs>
+                  </a:gsLst>
+                  <a:lin ang="5400000" scaled="0"/>
+                </a:gradFill>
+                <a:latin typeface="Segoe UI" pitchFamily="34" charset="0"/>
+                <a:ea typeface="Segoe UI" pitchFamily="34" charset="0"/>
+                <a:cs typeface="Segoe UI" pitchFamily="34" charset="0"/>
+              </a:rPr>
+              <a:t>© Microsoft Corporation. All rights reserved. MICROSOFT MAKES NO WARRANTIES, EXPRESS, IMPLIED OR STATUTORY, AS TO THE INFORMATION IN THIS PRESENTATION.</a:t>
+            </a:r>
+            <a:endParaRPr lang="en-US" sz="400" dirty="0">
+              <a:gradFill>
+                <a:gsLst>
+                  <a:gs pos="0">
+                    <a:prstClr val="black"/>
+                  </a:gs>
+                  <a:gs pos="100000">
+                    <a:prstClr val="black"/>
+                  </a:gs>
+                </a:gsLst>
+                <a:lin ang="5400000" scaled="0"/>
+              </a:gradFill>
+              <a:latin typeface="Segoe UI" pitchFamily="34" charset="0"/>
+              <a:ea typeface="Segoe UI" pitchFamily="34" charset="0"/>
+              <a:cs typeface="Segoe UI" pitchFamily="34" charset="0"/>
+            </a:endParaRPr>
+          </a:p>
+        </p:txBody>
+      </p:sp>
+      <p:sp>
+        <p:nvSpPr>
+          <p:cNvPr id="6" name="Date Placeholder 5"/>
+          <p:cNvSpPr>
+            <a:spLocks noGrp="1"/>
+          </p:cNvSpPr>
+          <p:nvPr>
+            <p:ph type="dt" idx="12"/>
+          </p:nvPr>
+        </p:nvSpPr>
+        <p:spPr/>
+        <p:txBody>
+          <a:bodyPr/>
+          <a:lstStyle/>
+          <a:p>
+            <a:fld id="{D18B56EA-E28F-4F92-9F16-7A6F2501B303}" type="datetime8">
+              <a:rPr lang="en-US" smtClean="0"/>
+              <a:t>2/23/20 6:14 AM</a:t>
+            </a:fld>
+            <a:endParaRPr lang="en-US" dirty="0"/>
+          </a:p>
+        </p:txBody>
+      </p:sp>
+      <p:sp>
+        <p:nvSpPr>
+          <p:cNvPr id="7" name="Slide Number Placeholder 6"/>
+          <p:cNvSpPr>
+            <a:spLocks noGrp="1"/>
+          </p:cNvSpPr>
+          <p:nvPr>
+            <p:ph type="sldNum" sz="quarter" idx="13"/>
+          </p:nvPr>
+        </p:nvSpPr>
+        <p:spPr/>
+        <p:txBody>
+          <a:bodyPr/>
+          <a:lstStyle/>
+          <a:p>
+            <a:fld id="{B4008EB6-D09E-4580-8CD6-DDB14511944F}" type="slidenum">
+              <a:rPr lang="en-US" smtClean="0"/>
+              <a:pPr/>
+              <a:t>11</a:t>
+            </a:fld>
+            <a:endParaRPr lang="en-US" dirty="0"/>
+          </a:p>
+        </p:txBody>
+      </p:sp>
+    </p:spTree>
+    <p:extLst>
+      <p:ext uri="{BB962C8B-B14F-4D97-AF65-F5344CB8AC3E}">
+        <p14:creationId xmlns:p14="http://schemas.microsoft.com/office/powerpoint/2010/main" val="1685519606"/>
       </p:ext>
     </p:extLst>
   </p:cSld>
@@ -1035,7 +1216,38 @@
           <a:bodyPr/>
           <a:lstStyle/>
           <a:p>
-            <a:endParaRPr lang="en-US"/>
+            <a:pPr marL="0" marR="0" lvl="0" indent="0" algn="l" defTabSz="932742" rtl="0" eaLnBrk="1" fontAlgn="auto" latinLnBrk="0" hangingPunct="1">
+              <a:lnSpc>
+                <a:spcPct val="90000"/>
+              </a:lnSpc>
+              <a:spcBef>
+                <a:spcPts val="0"/>
+              </a:spcBef>
+              <a:spcAft>
+                <a:spcPts val="340"/>
+              </a:spcAft>
+              <a:buClrTx/>
+              <a:buSzTx/>
+              <a:buFontTx/>
+              <a:buNone/>
+              <a:tabLst/>
+              <a:defRPr/>
+            </a:pPr>
+            <a:r>
+              <a:rPr lang="en-US" sz="900" b="0" kern="1200" dirty="0">
+                <a:solidFill>
+                  <a:schemeClr val="tx1"/>
+                </a:solidFill>
+                <a:effectLst/>
+                <a:latin typeface="Segoe UI Light" pitchFamily="34" charset="0"/>
+                <a:ea typeface="+mn-ea"/>
+                <a:cs typeface="+mn-cs"/>
+              </a:rPr>
+              <a:t>In this unit, you'll learn how to interact with Framework-based client-side web parts in a SharePoint Online modern site collection.</a:t>
+            </a:r>
+          </a:p>
+          <a:p>
+            <a:endParaRPr lang="en-US" dirty="0"/>
           </a:p>
         </p:txBody>
       </p:sp>
@@ -1129,7 +1341,7 @@
           <a:p>
             <a:fld id="{D18B56EA-E28F-4F92-9F16-7A6F2501B303}" type="datetime8">
               <a:rPr lang="en-US" smtClean="0"/>
-              <a:t>8/25/2019 5:32 PM</a:t>
+              <a:t>2/23/20 6:36 AM</a:t>
             </a:fld>
             <a:endParaRPr lang="en-US" dirty="0"/>
           </a:p>
@@ -1217,22 +1429,139 @@
           <a:lstStyle/>
           <a:p>
             <a:r>
-              <a:rPr lang="en-US" b="1" dirty="0"/>
-              <a:t>Main</a:t>
-            </a:r>
-            <a:r>
-              <a:rPr lang="en-US" b="1" baseline="0" dirty="0"/>
-              <a:t> point: </a:t>
-            </a:r>
-            <a:r>
-              <a:rPr lang="en-US" b="0" baseline="0" dirty="0"/>
-              <a:t>Keep light on vision, more on outline for today and why we are investing in o</a:t>
-            </a:r>
-            <a:r>
-              <a:rPr lang="en-US" baseline="0" dirty="0"/>
-              <a:t>ur innovation areas influenced by where we are seeing the most usage (outside circle), consistently influenced by our productivity pillars (inside circle)</a:t>
-            </a:r>
-            <a:endParaRPr lang="en-US" dirty="0"/>
+              <a:rPr lang="en-US" sz="900" b="0" kern="1200" dirty="0">
+                <a:solidFill>
+                  <a:schemeClr val="tx1"/>
+                </a:solidFill>
+                <a:effectLst/>
+                <a:latin typeface="Segoe UI Light" pitchFamily="34" charset="0"/>
+                <a:ea typeface="+mn-ea"/>
+                <a:cs typeface="+mn-cs"/>
+              </a:rPr>
+              <a:t>Client-side web parts, built using the SharePoint Framework, are the cornerstone of the vision for innovating, extending and customizing the SharePoint modern experience.</a:t>
+            </a:r>
+          </a:p>
+          <a:p>
+            <a:br>
+              <a:rPr lang="en-US" sz="900" b="0" kern="1200" dirty="0">
+                <a:solidFill>
+                  <a:schemeClr val="tx1"/>
+                </a:solidFill>
+                <a:effectLst/>
+                <a:latin typeface="Segoe UI Light" pitchFamily="34" charset="0"/>
+                <a:ea typeface="+mn-ea"/>
+                <a:cs typeface="+mn-cs"/>
+              </a:rPr>
+            </a:br>
+            <a:r>
+              <a:rPr lang="en-US" sz="900" b="0" kern="1200" dirty="0">
+                <a:solidFill>
+                  <a:schemeClr val="tx1"/>
+                </a:solidFill>
+                <a:effectLst/>
+                <a:latin typeface="Segoe UI Light" pitchFamily="34" charset="0"/>
+                <a:ea typeface="+mn-ea"/>
+                <a:cs typeface="+mn-cs"/>
+              </a:rPr>
+              <a:t>They are configurable, reusable and purpose-built components that page designers and site owns can use to create unique experiences for their users.</a:t>
+            </a:r>
+          </a:p>
+          <a:p>
+            <a:br>
+              <a:rPr lang="en-US" sz="900" b="0" kern="1200" dirty="0">
+                <a:solidFill>
+                  <a:schemeClr val="tx1"/>
+                </a:solidFill>
+                <a:effectLst/>
+                <a:latin typeface="Segoe UI Light" pitchFamily="34" charset="0"/>
+                <a:ea typeface="+mn-ea"/>
+                <a:cs typeface="+mn-cs"/>
+              </a:rPr>
+            </a:br>
+            <a:r>
+              <a:rPr lang="en-US" sz="900" b="0" kern="1200" dirty="0">
+                <a:solidFill>
+                  <a:schemeClr val="tx1"/>
+                </a:solidFill>
+                <a:effectLst/>
+                <a:latin typeface="Segoe UI Light" pitchFamily="34" charset="0"/>
+                <a:ea typeface="+mn-ea"/>
+                <a:cs typeface="+mn-cs"/>
+              </a:rPr>
+              <a:t>Client-side web parts are build using the SharePoint Framework that provide additional capabilities, including access to Microsoft Graph for incorporating personal and organizational information into page experiences.</a:t>
+            </a:r>
+          </a:p>
+          <a:p>
+            <a:br>
+              <a:rPr lang="en-US" sz="900" b="0" kern="1200" dirty="0">
+                <a:solidFill>
+                  <a:schemeClr val="tx1"/>
+                </a:solidFill>
+                <a:effectLst/>
+                <a:latin typeface="Segoe UI Light" pitchFamily="34" charset="0"/>
+                <a:ea typeface="+mn-ea"/>
+                <a:cs typeface="+mn-cs"/>
+              </a:rPr>
+            </a:br>
+            <a:r>
+              <a:rPr lang="en-US" sz="900" b="0" kern="1200" dirty="0">
+                <a:solidFill>
+                  <a:schemeClr val="tx1"/>
+                </a:solidFill>
+                <a:effectLst/>
+                <a:latin typeface="Segoe UI Light" pitchFamily="34" charset="0"/>
+                <a:ea typeface="+mn-ea"/>
+                <a:cs typeface="+mn-cs"/>
+              </a:rPr>
+              <a:t>Web parts are also context aware, in the sense that they have access to contextual information about the current page. For instance, at runtime, the web part can get information about the current user and the current page and site the web part is currently running in.</a:t>
+            </a:r>
+          </a:p>
+          <a:p>
+            <a:br>
+              <a:rPr lang="en-US" sz="900" b="0" kern="1200" dirty="0">
+                <a:solidFill>
+                  <a:schemeClr val="tx1"/>
+                </a:solidFill>
+                <a:effectLst/>
+                <a:latin typeface="Segoe UI Light" pitchFamily="34" charset="0"/>
+                <a:ea typeface="+mn-ea"/>
+                <a:cs typeface="+mn-cs"/>
+              </a:rPr>
+            </a:br>
+            <a:r>
+              <a:rPr lang="en-US" sz="900" b="0" kern="1200" dirty="0">
+                <a:solidFill>
+                  <a:schemeClr val="tx1"/>
+                </a:solidFill>
+                <a:effectLst/>
+                <a:latin typeface="Segoe UI Light" pitchFamily="34" charset="0"/>
+                <a:ea typeface="+mn-ea"/>
+                <a:cs typeface="+mn-cs"/>
+              </a:rPr>
+              <a:t>Client-side web parts are flexible as well! Developers can use them to create single page applications (SPAs) as single page app pages, the basis for Microsoft Teams tabs and personal apps, and even as the host for Office Add-ins.</a:t>
+            </a:r>
+          </a:p>
+          <a:p>
+            <a:br>
+              <a:rPr lang="en-US" sz="900" b="0" kern="1200" dirty="0">
+                <a:solidFill>
+                  <a:schemeClr val="tx1"/>
+                </a:solidFill>
+                <a:effectLst/>
+                <a:latin typeface="Segoe UI Light" pitchFamily="34" charset="0"/>
+                <a:ea typeface="+mn-ea"/>
+                <a:cs typeface="+mn-cs"/>
+              </a:rPr>
+            </a:br>
+            <a:endParaRPr lang="en-US" sz="900" b="0" kern="1200" dirty="0">
+              <a:solidFill>
+                <a:schemeClr val="tx1"/>
+              </a:solidFill>
+              <a:effectLst/>
+              <a:latin typeface="Segoe UI Light" pitchFamily="34" charset="0"/>
+              <a:ea typeface="+mn-ea"/>
+              <a:cs typeface="+mn-cs"/>
+            </a:endParaRPr>
           </a:p>
         </p:txBody>
       </p:sp>
@@ -1370,6 +1699,70 @@
           <a:bodyPr/>
           <a:lstStyle/>
           <a:p>
+            <a:r>
+              <a:rPr lang="en-US" sz="900" b="0" kern="1200" dirty="0">
+                <a:solidFill>
+                  <a:schemeClr val="tx1"/>
+                </a:solidFill>
+                <a:effectLst/>
+                <a:latin typeface="Segoe UI Light" pitchFamily="34" charset="0"/>
+                <a:ea typeface="+mn-ea"/>
+                <a:cs typeface="+mn-cs"/>
+              </a:rPr>
+              <a:t>Experienced SharePoint developers who are familiar with server-side web parts developed and deployed using SharePoint features and solutions will find client-side web parts to be familiar. They are just web parts!</a:t>
+            </a:r>
+          </a:p>
+          <a:p>
+            <a:br>
+              <a:rPr lang="en-US" sz="900" b="0" kern="1200" dirty="0">
+                <a:solidFill>
+                  <a:schemeClr val="tx1"/>
+                </a:solidFill>
+                <a:effectLst/>
+                <a:latin typeface="Segoe UI Light" pitchFamily="34" charset="0"/>
+                <a:ea typeface="+mn-ea"/>
+                <a:cs typeface="+mn-cs"/>
+              </a:rPr>
+            </a:br>
+            <a:r>
+              <a:rPr lang="en-US" sz="900" b="0" kern="1200" dirty="0">
+                <a:solidFill>
+                  <a:schemeClr val="tx1"/>
+                </a:solidFill>
+                <a:effectLst/>
+                <a:latin typeface="Segoe UI Light" pitchFamily="34" charset="0"/>
+                <a:ea typeface="+mn-ea"/>
+                <a:cs typeface="+mn-cs"/>
+              </a:rPr>
+              <a:t>The only difference from a server-side web part is client-side web parts are rendered in the browser, not on the server.</a:t>
+            </a:r>
+          </a:p>
+          <a:p>
+            <a:br>
+              <a:rPr lang="en-US" sz="900" b="0" kern="1200" dirty="0">
+                <a:solidFill>
+                  <a:schemeClr val="tx1"/>
+                </a:solidFill>
+                <a:effectLst/>
+                <a:latin typeface="Segoe UI Light" pitchFamily="34" charset="0"/>
+                <a:ea typeface="+mn-ea"/>
+                <a:cs typeface="+mn-cs"/>
+              </a:rPr>
+            </a:br>
+            <a:r>
+              <a:rPr lang="en-US" sz="900" b="0" kern="1200" dirty="0">
+                <a:solidFill>
+                  <a:schemeClr val="tx1"/>
+                </a:solidFill>
+                <a:effectLst/>
+                <a:latin typeface="Segoe UI Light" pitchFamily="34" charset="0"/>
+                <a:ea typeface="+mn-ea"/>
+                <a:cs typeface="+mn-cs"/>
+              </a:rPr>
+              <a:t>Client-side web parts are build for the modern, JavaScript-driven web just as the modern SharePoint experience.</a:t>
+            </a:r>
+          </a:p>
+          <a:p>
             <a:endParaRPr lang="en-US" dirty="0"/>
           </a:p>
         </p:txBody>
@@ -1389,6 +1782,10 @@
           <a:bodyPr/>
           <a:lstStyle/>
           <a:p>
+            <a:r>
+              <a:rPr lang="en-US"/>
+              <a:t>SharePoint Framework</a:t>
+            </a:r>
             <a:endParaRPr lang="en-US" dirty="0"/>
           </a:p>
         </p:txBody>
@@ -1464,7 +1861,7 @@
           <a:p>
             <a:fld id="{D18B56EA-E28F-4F92-9F16-7A6F2501B303}" type="datetime8">
               <a:rPr lang="en-US" smtClean="0"/>
-              <a:t>8/25/2019 5:32 PM</a:t>
+              <a:t>2/23/20 6:45 AM</a:t>
             </a:fld>
             <a:endParaRPr lang="en-US" dirty="0"/>
           </a:p>
@@ -1488,7 +1885,7 @@
             <a:fld id="{B4008EB6-D09E-4580-8CD6-DDB14511944F}" type="slidenum">
               <a:rPr lang="en-US" smtClean="0"/>
               <a:pPr/>
-              <a:t>5</a:t>
+              <a:t>4</a:t>
             </a:fld>
             <a:endParaRPr lang="en-US" dirty="0"/>
           </a:p>
@@ -1497,7 +1894,7 @@
     </p:spTree>
     <p:extLst>
       <p:ext uri="{BB962C8B-B14F-4D97-AF65-F5344CB8AC3E}">
-        <p14:creationId xmlns:p14="http://schemas.microsoft.com/office/powerpoint/2010/main" val="2440967724"/>
+        <p14:creationId xmlns:p14="http://schemas.microsoft.com/office/powerpoint/2010/main" val="1810956948"/>
       </p:ext>
     </p:extLst>
   </p:cSld>
@@ -1551,7 +1948,117 @@
           <a:bodyPr/>
           <a:lstStyle/>
           <a:p>
-            <a:endParaRPr lang="en-US"/>
+            <a:r>
+              <a:rPr lang="en-US" sz="900" b="0" kern="1200" dirty="0">
+                <a:solidFill>
+                  <a:schemeClr val="tx1"/>
+                </a:solidFill>
+                <a:effectLst/>
+                <a:latin typeface="Segoe UI Light" pitchFamily="34" charset="0"/>
+                <a:ea typeface="+mn-ea"/>
+                <a:cs typeface="+mn-cs"/>
+              </a:rPr>
+              <a:t>Unlike classic pages, when a page is in edit mode, any web parts on the page are also in edit mode. Compared to classic pages where the web part has a different edit mode from the page's edit mode.</a:t>
+            </a:r>
+          </a:p>
+          <a:p>
+            <a:br>
+              <a:rPr lang="en-US" sz="900" b="0" kern="1200" dirty="0">
+                <a:solidFill>
+                  <a:schemeClr val="tx1"/>
+                </a:solidFill>
+                <a:effectLst/>
+                <a:latin typeface="Segoe UI Light" pitchFamily="34" charset="0"/>
+                <a:ea typeface="+mn-ea"/>
+                <a:cs typeface="+mn-cs"/>
+              </a:rPr>
+            </a:br>
+            <a:r>
+              <a:rPr lang="en-US" sz="900" b="0" kern="1200" dirty="0">
+                <a:solidFill>
+                  <a:schemeClr val="tx1"/>
+                </a:solidFill>
+                <a:effectLst/>
+                <a:latin typeface="Segoe UI Light" pitchFamily="34" charset="0"/>
+                <a:ea typeface="+mn-ea"/>
+                <a:cs typeface="+mn-cs"/>
+              </a:rPr>
+              <a:t>To add a web part to a modern page, first put the page in edit mode and then select the </a:t>
+            </a:r>
+            <a:r>
+              <a:rPr lang="en-US" sz="900" b="1" kern="1200" dirty="0">
+                <a:solidFill>
+                  <a:schemeClr val="tx1"/>
+                </a:solidFill>
+                <a:effectLst/>
+                <a:latin typeface="Segoe UI Light" pitchFamily="34" charset="0"/>
+                <a:ea typeface="+mn-ea"/>
+                <a:cs typeface="+mn-cs"/>
+              </a:rPr>
+              <a:t>**+**</a:t>
+            </a:r>
+            <a:r>
+              <a:rPr lang="en-US" sz="900" b="0" kern="1200" dirty="0">
+                <a:solidFill>
+                  <a:schemeClr val="tx1"/>
+                </a:solidFill>
+                <a:effectLst/>
+                <a:latin typeface="Segoe UI Light" pitchFamily="34" charset="0"/>
+                <a:ea typeface="+mn-ea"/>
+                <a:cs typeface="+mn-cs"/>
+              </a:rPr>
+              <a:t> icon to open the toolbox. Select a web part from the toolbox to add it to the page.</a:t>
+            </a:r>
+          </a:p>
+          <a:p>
+            <a:br>
+              <a:rPr lang="en-US" sz="900" b="0" kern="1200" dirty="0">
+                <a:solidFill>
+                  <a:schemeClr val="tx1"/>
+                </a:solidFill>
+                <a:effectLst/>
+                <a:latin typeface="Segoe UI Light" pitchFamily="34" charset="0"/>
+                <a:ea typeface="+mn-ea"/>
+                <a:cs typeface="+mn-cs"/>
+              </a:rPr>
+            </a:br>
+            <a:r>
+              <a:rPr lang="en-US" sz="900" b="0" kern="1200" dirty="0">
+                <a:solidFill>
+                  <a:schemeClr val="tx1"/>
+                </a:solidFill>
+                <a:effectLst/>
+                <a:latin typeface="Segoe UI Light" pitchFamily="34" charset="0"/>
+                <a:ea typeface="+mn-ea"/>
+                <a:cs typeface="+mn-cs"/>
+              </a:rPr>
+              <a:t>You can edit the web part by opening the property pane with the edit icon to the left of the web part. By default, any changes made in the property page are immediately reflected in the web part.</a:t>
+            </a:r>
+          </a:p>
+          <a:p>
+            <a:br>
+              <a:rPr lang="en-US" sz="900" b="0" kern="1200" dirty="0">
+                <a:solidFill>
+                  <a:schemeClr val="tx1"/>
+                </a:solidFill>
+                <a:effectLst/>
+                <a:latin typeface="Segoe UI Light" pitchFamily="34" charset="0"/>
+                <a:ea typeface="+mn-ea"/>
+                <a:cs typeface="+mn-cs"/>
+              </a:rPr>
+            </a:br>
+            <a:endParaRPr lang="en-US" sz="900" b="0" kern="1200" dirty="0">
+              <a:solidFill>
+                <a:schemeClr val="tx1"/>
+              </a:solidFill>
+              <a:effectLst/>
+              <a:latin typeface="Segoe UI Light" pitchFamily="34" charset="0"/>
+              <a:ea typeface="+mn-ea"/>
+              <a:cs typeface="+mn-cs"/>
+            </a:endParaRPr>
+          </a:p>
+          <a:p>
+            <a:endParaRPr lang="en-US" dirty="0"/>
           </a:p>
         </p:txBody>
       </p:sp>
@@ -1562,7 +2069,7 @@
             <a:spLocks noGrp="1"/>
           </p:cNvSpPr>
           <p:nvPr>
-            <p:ph type="hdr" sz="quarter" idx="10"/>
+            <p:ph type="hdr" sz="quarter"/>
           </p:nvPr>
         </p:nvSpPr>
         <p:spPr/>
@@ -1581,7 +2088,7 @@
             <a:spLocks noGrp="1"/>
           </p:cNvSpPr>
           <p:nvPr>
-            <p:ph type="ftr" sz="quarter" idx="11"/>
+            <p:ph type="ftr" sz="quarter" idx="4"/>
           </p:nvPr>
         </p:nvSpPr>
         <p:spPr/>
@@ -1635,7 +2142,7 @@
             <a:spLocks noGrp="1"/>
           </p:cNvSpPr>
           <p:nvPr>
-            <p:ph type="dt" idx="12"/>
+            <p:ph type="dt" idx="1"/>
           </p:nvPr>
         </p:nvSpPr>
         <p:spPr/>
@@ -1645,7 +2152,7 @@
           <a:p>
             <a:fld id="{D18B56EA-E28F-4F92-9F16-7A6F2501B303}" type="datetime8">
               <a:rPr lang="en-US" smtClean="0"/>
-              <a:t>8/25/2019 5:32 PM</a:t>
+              <a:t>2/23/20 7:11 AM</a:t>
             </a:fld>
             <a:endParaRPr lang="en-US" dirty="0"/>
           </a:p>
@@ -1658,7 +2165,7 @@
             <a:spLocks noGrp="1"/>
           </p:cNvSpPr>
           <p:nvPr>
-            <p:ph type="sldNum" sz="quarter" idx="13"/>
+            <p:ph type="sldNum" sz="quarter" idx="5"/>
           </p:nvPr>
         </p:nvSpPr>
         <p:spPr/>
@@ -1669,7 +2176,7 @@
             <a:fld id="{B4008EB6-D09E-4580-8CD6-DDB14511944F}" type="slidenum">
               <a:rPr lang="en-US" smtClean="0"/>
               <a:pPr/>
-              <a:t>6</a:t>
+              <a:t>5</a:t>
             </a:fld>
             <a:endParaRPr lang="en-US" dirty="0"/>
           </a:p>
@@ -1678,7 +2185,7 @@
     </p:spTree>
     <p:extLst>
       <p:ext uri="{BB962C8B-B14F-4D97-AF65-F5344CB8AC3E}">
-        <p14:creationId xmlns:p14="http://schemas.microsoft.com/office/powerpoint/2010/main" val="3835740446"/>
+        <p14:creationId xmlns:p14="http://schemas.microsoft.com/office/powerpoint/2010/main" val="2440967724"/>
       </p:ext>
     </p:extLst>
   </p:cSld>
@@ -1732,7 +2239,7 @@
           <a:bodyPr/>
           <a:lstStyle/>
           <a:p>
-            <a:endParaRPr lang="en-US" dirty="0"/>
+            <a:endParaRPr lang="en-US"/>
           </a:p>
         </p:txBody>
       </p:sp>
@@ -1743,7 +2250,7 @@
             <a:spLocks noGrp="1"/>
           </p:cNvSpPr>
           <p:nvPr>
-            <p:ph type="hdr" sz="quarter"/>
+            <p:ph type="hdr" sz="quarter" idx="10"/>
           </p:nvPr>
         </p:nvSpPr>
         <p:spPr/>
@@ -1762,7 +2269,7 @@
             <a:spLocks noGrp="1"/>
           </p:cNvSpPr>
           <p:nvPr>
-            <p:ph type="ftr" sz="quarter" idx="4"/>
+            <p:ph type="ftr" sz="quarter" idx="11"/>
           </p:nvPr>
         </p:nvSpPr>
         <p:spPr/>
@@ -1816,7 +2323,7 @@
             <a:spLocks noGrp="1"/>
           </p:cNvSpPr>
           <p:nvPr>
-            <p:ph type="dt" idx="1"/>
+            <p:ph type="dt" idx="12"/>
           </p:nvPr>
         </p:nvSpPr>
         <p:spPr/>
@@ -1826,7 +2333,7 @@
           <a:p>
             <a:fld id="{D18B56EA-E28F-4F92-9F16-7A6F2501B303}" type="datetime8">
               <a:rPr lang="en-US" smtClean="0"/>
-              <a:t>8/25/2019 5:32 PM</a:t>
+              <a:t>2/23/20 6:14 AM</a:t>
             </a:fld>
             <a:endParaRPr lang="en-US" dirty="0"/>
           </a:p>
@@ -1839,7 +2346,7 @@
             <a:spLocks noGrp="1"/>
           </p:cNvSpPr>
           <p:nvPr>
-            <p:ph type="sldNum" sz="quarter" idx="5"/>
+            <p:ph type="sldNum" sz="quarter" idx="13"/>
           </p:nvPr>
         </p:nvSpPr>
         <p:spPr/>
@@ -1850,7 +2357,7 @@
             <a:fld id="{B4008EB6-D09E-4580-8CD6-DDB14511944F}" type="slidenum">
               <a:rPr lang="en-US" smtClean="0"/>
               <a:pPr/>
-              <a:t>7</a:t>
+              <a:t>6</a:t>
             </a:fld>
             <a:endParaRPr lang="en-US" dirty="0"/>
           </a:p>
@@ -1859,7 +2366,7 @@
     </p:spTree>
     <p:extLst>
       <p:ext uri="{BB962C8B-B14F-4D97-AF65-F5344CB8AC3E}">
-        <p14:creationId xmlns:p14="http://schemas.microsoft.com/office/powerpoint/2010/main" val="2959371972"/>
+        <p14:creationId xmlns:p14="http://schemas.microsoft.com/office/powerpoint/2010/main" val="3835740446"/>
       </p:ext>
     </p:extLst>
   </p:cSld>
@@ -1913,7 +2420,7 @@
           <a:bodyPr/>
           <a:lstStyle/>
           <a:p>
-            <a:endParaRPr lang="en-US"/>
+            <a:endParaRPr lang="en-US" dirty="0"/>
           </a:p>
         </p:txBody>
       </p:sp>
@@ -1924,7 +2431,7 @@
             <a:spLocks noGrp="1"/>
           </p:cNvSpPr>
           <p:nvPr>
-            <p:ph type="hdr" sz="quarter" idx="10"/>
+            <p:ph type="hdr" sz="quarter"/>
           </p:nvPr>
         </p:nvSpPr>
         <p:spPr/>
@@ -1943,7 +2450,7 @@
             <a:spLocks noGrp="1"/>
           </p:cNvSpPr>
           <p:nvPr>
-            <p:ph type="ftr" sz="quarter" idx="11"/>
+            <p:ph type="ftr" sz="quarter" idx="4"/>
           </p:nvPr>
         </p:nvSpPr>
         <p:spPr/>
@@ -1997,7 +2504,7 @@
             <a:spLocks noGrp="1"/>
           </p:cNvSpPr>
           <p:nvPr>
-            <p:ph type="dt" idx="12"/>
+            <p:ph type="dt" idx="1"/>
           </p:nvPr>
         </p:nvSpPr>
         <p:spPr/>
@@ -2007,7 +2514,7 @@
           <a:p>
             <a:fld id="{D18B56EA-E28F-4F92-9F16-7A6F2501B303}" type="datetime8">
               <a:rPr lang="en-US" smtClean="0"/>
-              <a:t>8/25/2019 5:32 PM</a:t>
+              <a:t>2/23/20 6:14 AM</a:t>
             </a:fld>
             <a:endParaRPr lang="en-US" dirty="0"/>
           </a:p>
@@ -2020,7 +2527,7 @@
             <a:spLocks noGrp="1"/>
           </p:cNvSpPr>
           <p:nvPr>
-            <p:ph type="sldNum" sz="quarter" idx="13"/>
+            <p:ph type="sldNum" sz="quarter" idx="5"/>
           </p:nvPr>
         </p:nvSpPr>
         <p:spPr/>
@@ -2031,7 +2538,7 @@
             <a:fld id="{B4008EB6-D09E-4580-8CD6-DDB14511944F}" type="slidenum">
               <a:rPr lang="en-US" smtClean="0"/>
               <a:pPr/>
-              <a:t>8</a:t>
+              <a:t>7</a:t>
             </a:fld>
             <a:endParaRPr lang="en-US" dirty="0"/>
           </a:p>
@@ -2040,7 +2547,7 @@
     </p:spTree>
     <p:extLst>
       <p:ext uri="{BB962C8B-B14F-4D97-AF65-F5344CB8AC3E}">
-        <p14:creationId xmlns:p14="http://schemas.microsoft.com/office/powerpoint/2010/main" val="3371107006"/>
+        <p14:creationId xmlns:p14="http://schemas.microsoft.com/office/powerpoint/2010/main" val="2959371972"/>
       </p:ext>
     </p:extLst>
   </p:cSld>
@@ -2188,7 +2695,7 @@
           <a:p>
             <a:fld id="{D18B56EA-E28F-4F92-9F16-7A6F2501B303}" type="datetime8">
               <a:rPr lang="en-US" smtClean="0"/>
-              <a:t>8/25/2019 5:32 PM</a:t>
+              <a:t>2/23/20 6:14 AM</a:t>
             </a:fld>
             <a:endParaRPr lang="en-US" dirty="0"/>
           </a:p>
@@ -2212,7 +2719,7 @@
             <a:fld id="{B4008EB6-D09E-4580-8CD6-DDB14511944F}" type="slidenum">
               <a:rPr lang="en-US" smtClean="0"/>
               <a:pPr/>
-              <a:t>10</a:t>
+              <a:t>8</a:t>
             </a:fld>
             <a:endParaRPr lang="en-US" dirty="0"/>
           </a:p>
@@ -2221,7 +2728,7 @@
     </p:spTree>
     <p:extLst>
       <p:ext uri="{BB962C8B-B14F-4D97-AF65-F5344CB8AC3E}">
-        <p14:creationId xmlns:p14="http://schemas.microsoft.com/office/powerpoint/2010/main" val="2510823477"/>
+        <p14:creationId xmlns:p14="http://schemas.microsoft.com/office/powerpoint/2010/main" val="3371107006"/>
       </p:ext>
     </p:extLst>
   </p:cSld>
@@ -2369,7 +2876,7 @@
           <a:p>
             <a:fld id="{D18B56EA-E28F-4F92-9F16-7A6F2501B303}" type="datetime8">
               <a:rPr lang="en-US" smtClean="0"/>
-              <a:t>8/25/2019 5:32 PM</a:t>
+              <a:t>2/23/20 6:14 AM</a:t>
             </a:fld>
             <a:endParaRPr lang="en-US" dirty="0"/>
           </a:p>
@@ -2393,7 +2900,7 @@
             <a:fld id="{B4008EB6-D09E-4580-8CD6-DDB14511944F}" type="slidenum">
               <a:rPr lang="en-US" smtClean="0"/>
               <a:pPr/>
-              <a:t>11</a:t>
+              <a:t>10</a:t>
             </a:fld>
             <a:endParaRPr lang="en-US" dirty="0"/>
           </a:p>
@@ -2402,7 +2909,7 @@
     </p:spTree>
     <p:extLst>
       <p:ext uri="{BB962C8B-B14F-4D97-AF65-F5344CB8AC3E}">
-        <p14:creationId xmlns:p14="http://schemas.microsoft.com/office/powerpoint/2010/main" val="1685519606"/>
+        <p14:creationId xmlns:p14="http://schemas.microsoft.com/office/powerpoint/2010/main" val="2510823477"/>
       </p:ext>
     </p:extLst>
   </p:cSld>
@@ -15013,7 +15520,7 @@
       </a:lvl9pPr>
     </p:otherStyle>
   </p:txStyles>
-  <p:extLst mod="1">
+  <p:extLst>
     <p:ext uri="{27BBF7A9-308A-43DC-89C8-2F10F3537804}">
       <p15:sldGuideLst xmlns:p15="http://schemas.microsoft.com/office/powerpoint/2012/main">
         <p15:guide id="3" pos="1381" userDrawn="1">
@@ -18042,7 +18549,7 @@
             <p:nvPr/>
           </p:nvPicPr>
           <p:blipFill rotWithShape="1">
-            <a:blip r:embed="rId2"/>
+            <a:blip r:embed="rId3"/>
             <a:srcRect b="13031"/>
             <a:stretch/>
           </p:blipFill>
@@ -18065,7 +18572,7 @@
             <p:nvPr/>
           </p:nvPicPr>
           <p:blipFill>
-            <a:blip r:embed="rId3"/>
+            <a:blip r:embed="rId4"/>
             <a:stretch>
               <a:fillRect/>
             </a:stretch>
@@ -18104,7 +18611,7 @@
             <p:nvPr/>
           </p:nvPicPr>
           <p:blipFill>
-            <a:blip r:embed="rId4"/>
+            <a:blip r:embed="rId5"/>
             <a:stretch>
               <a:fillRect/>
             </a:stretch>
@@ -18214,7 +18721,7 @@
             <p:nvPr/>
           </p:nvPicPr>
           <p:blipFill>
-            <a:blip r:embed="rId5"/>
+            <a:blip r:embed="rId6"/>
             <a:stretch>
               <a:fillRect/>
             </a:stretch>
@@ -19801,7 +20308,6 @@
             <a:noFill/>
           </a:ln>
           <a:effectLst/>
-          <a:extLst/>
         </p:spPr>
         <p:txBody>
           <a:bodyPr vert="horz" wrap="square" lIns="180000" tIns="108000" rIns="180000" bIns="108000" numCol="1" anchor="ctr" anchorCtr="0" compatLnSpc="1">
@@ -19909,7 +20415,6 @@
             <a:noFill/>
           </a:ln>
           <a:effectLst/>
-          <a:extLst/>
         </p:spPr>
         <p:txBody>
           <a:bodyPr vert="horz" wrap="square" lIns="180000" tIns="108000" rIns="180000" bIns="108000" numCol="1" anchor="ctr" anchorCtr="0" compatLnSpc="1">

--- a/03-using.pptx
+++ b/03-using.pptx
@@ -268,7 +268,7 @@
               <a:rPr lang="en-US" smtClean="0">
                 <a:latin typeface="Segoe UI" pitchFamily="34" charset="0"/>
               </a:rPr>
-              <a:t>2/23/20 6:14 AM</a:t>
+              <a:t>8/31/2020 5:36 PM</a:t>
             </a:fld>
             <a:endParaRPr lang="en-US" dirty="0">
               <a:latin typeface="Segoe UI" pitchFamily="34" charset="0"/>
@@ -565,7 +565,7 @@
           <a:p>
             <a:fld id="{D18B56EA-E28F-4F92-9F16-7A6F2501B303}" type="datetime8">
               <a:rPr lang="en-US" smtClean="0"/>
-              <a:t>2/23/20 6:14 AM</a:t>
+              <a:t>8/31/2020 5:36 PM</a:t>
             </a:fld>
             <a:endParaRPr lang="en-US" dirty="0"/>
           </a:p>
@@ -948,7 +948,7 @@
           <a:p>
             <a:fld id="{D18B56EA-E28F-4F92-9F16-7A6F2501B303}" type="datetime8">
               <a:rPr lang="en-US" smtClean="0"/>
-              <a:t>2/23/20 6:14 AM</a:t>
+              <a:t>8/31/2020 5:36 PM</a:t>
             </a:fld>
             <a:endParaRPr lang="en-US" dirty="0"/>
           </a:p>
@@ -1129,7 +1129,7 @@
           <a:p>
             <a:fld id="{D18B56EA-E28F-4F92-9F16-7A6F2501B303}" type="datetime8">
               <a:rPr lang="en-US" smtClean="0"/>
-              <a:t>2/23/20 6:14 AM</a:t>
+              <a:t>8/31/2020 5:36 PM</a:t>
             </a:fld>
             <a:endParaRPr lang="en-US" dirty="0"/>
           </a:p>
@@ -1341,7 +1341,7 @@
           <a:p>
             <a:fld id="{D18B56EA-E28F-4F92-9F16-7A6F2501B303}" type="datetime8">
               <a:rPr lang="en-US" smtClean="0"/>
-              <a:t>2/23/20 6:36 AM</a:t>
+              <a:t>8/31/2020 5:36 PM</a:t>
             </a:fld>
             <a:endParaRPr lang="en-US" dirty="0"/>
           </a:p>
@@ -1488,7 +1488,7 @@
                 <a:ea typeface="+mn-ea"/>
                 <a:cs typeface="+mn-cs"/>
               </a:rPr>
-              <a:t>Client-side web parts are build using the SharePoint Framework that provide additional capabilities, including access to Microsoft Graph for incorporating personal and organizational information into page experiences.</a:t>
+              <a:t>Client-side web parts are built using the SharePoint Framework that provide additional capabilities, including access to Microsoft Graph for incorporating personal and organizational information into page experiences.</a:t>
             </a:r>
           </a:p>
           <a:p>
@@ -1861,7 +1861,7 @@
           <a:p>
             <a:fld id="{D18B56EA-E28F-4F92-9F16-7A6F2501B303}" type="datetime8">
               <a:rPr lang="en-US" smtClean="0"/>
-              <a:t>2/23/20 6:45 AM</a:t>
+              <a:t>8/31/2020 5:36 PM</a:t>
             </a:fld>
             <a:endParaRPr lang="en-US" dirty="0"/>
           </a:p>
@@ -2152,7 +2152,7 @@
           <a:p>
             <a:fld id="{D18B56EA-E28F-4F92-9F16-7A6F2501B303}" type="datetime8">
               <a:rPr lang="en-US" smtClean="0"/>
-              <a:t>2/23/20 7:11 AM</a:t>
+              <a:t>8/31/2020 5:36 PM</a:t>
             </a:fld>
             <a:endParaRPr lang="en-US" dirty="0"/>
           </a:p>
@@ -2333,7 +2333,7 @@
           <a:p>
             <a:fld id="{D18B56EA-E28F-4F92-9F16-7A6F2501B303}" type="datetime8">
               <a:rPr lang="en-US" smtClean="0"/>
-              <a:t>2/23/20 6:14 AM</a:t>
+              <a:t>8/31/2020 5:36 PM</a:t>
             </a:fld>
             <a:endParaRPr lang="en-US" dirty="0"/>
           </a:p>
@@ -2514,7 +2514,7 @@
           <a:p>
             <a:fld id="{D18B56EA-E28F-4F92-9F16-7A6F2501B303}" type="datetime8">
               <a:rPr lang="en-US" smtClean="0"/>
-              <a:t>2/23/20 6:14 AM</a:t>
+              <a:t>8/31/2020 5:36 PM</a:t>
             </a:fld>
             <a:endParaRPr lang="en-US" dirty="0"/>
           </a:p>
@@ -2695,7 +2695,7 @@
           <a:p>
             <a:fld id="{D18B56EA-E28F-4F92-9F16-7A6F2501B303}" type="datetime8">
               <a:rPr lang="en-US" smtClean="0"/>
-              <a:t>2/23/20 6:14 AM</a:t>
+              <a:t>8/31/2020 5:36 PM</a:t>
             </a:fld>
             <a:endParaRPr lang="en-US" dirty="0"/>
           </a:p>
@@ -2876,7 +2876,7 @@
           <a:p>
             <a:fld id="{D18B56EA-E28F-4F92-9F16-7A6F2501B303}" type="datetime8">
               <a:rPr lang="en-US" smtClean="0"/>
-              <a:t>2/23/20 6:14 AM</a:t>
+              <a:t>8/31/2020 5:36 PM</a:t>
             </a:fld>
             <a:endParaRPr lang="en-US" dirty="0"/>
           </a:p>
@@ -19938,10 +19938,10 @@
       </p:sp>
       <p:pic>
         <p:nvPicPr>
-          <p:cNvPr id="6" name="Picture 5">
+          <p:cNvPr id="5" name="Picture 4" descr="A screenshot of a computer&#10;&#10;Description automatically generated">
             <a:extLst>
               <a:ext uri="{FF2B5EF4-FFF2-40B4-BE49-F238E27FC236}">
-                <a16:creationId xmlns:a16="http://schemas.microsoft.com/office/drawing/2014/main" id="{F7B8E421-D7DD-4788-9FFB-4BA635224E02}"/>
+                <a16:creationId xmlns:a16="http://schemas.microsoft.com/office/drawing/2014/main" id="{BDE6B101-A713-4849-96C7-59B3931DE75B}"/>
               </a:ext>
             </a:extLst>
           </p:cNvPr>
@@ -19958,28 +19958,20 @@
         </p:blipFill>
         <p:spPr>
           <a:xfrm>
-            <a:off x="6763245" y="1212850"/>
-            <a:ext cx="4572396" cy="2248095"/>
+            <a:off x="5772192" y="1212850"/>
+            <a:ext cx="6004234" cy="1890111"/>
           </a:xfrm>
           <a:prstGeom prst="rect">
             <a:avLst/>
           </a:prstGeom>
-          <a:ln>
-            <a:solidFill>
-              <a:schemeClr val="tx1">
-                <a:lumMod val="25000"/>
-                <a:lumOff val="75000"/>
-              </a:schemeClr>
-            </a:solidFill>
-          </a:ln>
         </p:spPr>
       </p:pic>
       <p:pic>
         <p:nvPicPr>
-          <p:cNvPr id="10" name="Picture 9">
+          <p:cNvPr id="8" name="Picture 7" descr="A screenshot of a cell phone&#10;&#10;Description automatically generated">
             <a:extLst>
               <a:ext uri="{FF2B5EF4-FFF2-40B4-BE49-F238E27FC236}">
-                <a16:creationId xmlns:a16="http://schemas.microsoft.com/office/drawing/2014/main" id="{93F0D892-D6D7-4247-B683-731816E35B69}"/>
+                <a16:creationId xmlns:a16="http://schemas.microsoft.com/office/drawing/2014/main" id="{28BC4BA3-716C-4DDF-BEEE-C33B25D2A400}"/>
               </a:ext>
             </a:extLst>
           </p:cNvPr>
@@ -19996,28 +19988,20 @@
         </p:blipFill>
         <p:spPr>
           <a:xfrm>
-            <a:off x="896739" y="4261762"/>
-            <a:ext cx="4572396" cy="2598645"/>
+            <a:off x="1030497" y="4262520"/>
+            <a:ext cx="4399633" cy="2346950"/>
           </a:xfrm>
           <a:prstGeom prst="rect">
             <a:avLst/>
           </a:prstGeom>
-          <a:ln>
-            <a:solidFill>
-              <a:schemeClr val="tx1">
-                <a:lumMod val="25000"/>
-                <a:lumOff val="75000"/>
-              </a:schemeClr>
-            </a:solidFill>
-          </a:ln>
         </p:spPr>
       </p:pic>
       <p:pic>
         <p:nvPicPr>
-          <p:cNvPr id="12" name="Picture 11">
+          <p:cNvPr id="11" name="Picture 10" descr="A screenshot of a social media post&#10;&#10;Description automatically generated">
             <a:extLst>
               <a:ext uri="{FF2B5EF4-FFF2-40B4-BE49-F238E27FC236}">
-                <a16:creationId xmlns:a16="http://schemas.microsoft.com/office/drawing/2014/main" id="{38BCBF8A-8AEA-40FC-8063-D0351FB6C242}"/>
+                <a16:creationId xmlns:a16="http://schemas.microsoft.com/office/drawing/2014/main" id="{59DA4C0F-51F9-4F4B-A422-8A21550BB215}"/>
               </a:ext>
             </a:extLst>
           </p:cNvPr>
@@ -20034,20 +20018,12 @@
         </p:blipFill>
         <p:spPr>
           <a:xfrm>
-            <a:off x="6212977" y="4262520"/>
-            <a:ext cx="5122664" cy="2253972"/>
+            <a:off x="5772192" y="4262520"/>
+            <a:ext cx="5959083" cy="1955400"/>
           </a:xfrm>
           <a:prstGeom prst="rect">
             <a:avLst/>
           </a:prstGeom>
-          <a:ln>
-            <a:solidFill>
-              <a:schemeClr val="tx1">
-                <a:lumMod val="25000"/>
-                <a:lumOff val="75000"/>
-              </a:schemeClr>
-            </a:solidFill>
-          </a:ln>
         </p:spPr>
       </p:pic>
     </p:spTree>

--- a/03-using.pptx
+++ b/03-using.pptx
@@ -268,7 +268,7 @@
               <a:rPr lang="en-US" smtClean="0">
                 <a:latin typeface="Segoe UI" pitchFamily="34" charset="0"/>
               </a:rPr>
-              <a:t>8/31/2020 5:36 PM</a:t>
+              <a:t>10/16/2021 12:54 PM</a:t>
             </a:fld>
             <a:endParaRPr lang="en-US" dirty="0">
               <a:latin typeface="Segoe UI" pitchFamily="34" charset="0"/>
@@ -565,7 +565,7 @@
           <a:p>
             <a:fld id="{D18B56EA-E28F-4F92-9F16-7A6F2501B303}" type="datetime8">
               <a:rPr lang="en-US" smtClean="0"/>
-              <a:t>8/31/2020 5:36 PM</a:t>
+              <a:t>10/16/2021 12:54 PM</a:t>
             </a:fld>
             <a:endParaRPr lang="en-US" dirty="0"/>
           </a:p>
@@ -948,7 +948,7 @@
           <a:p>
             <a:fld id="{D18B56EA-E28F-4F92-9F16-7A6F2501B303}" type="datetime8">
               <a:rPr lang="en-US" smtClean="0"/>
-              <a:t>8/31/2020 5:36 PM</a:t>
+              <a:t>10/16/2021 12:54 PM</a:t>
             </a:fld>
             <a:endParaRPr lang="en-US" dirty="0"/>
           </a:p>
@@ -1129,7 +1129,7 @@
           <a:p>
             <a:fld id="{D18B56EA-E28F-4F92-9F16-7A6F2501B303}" type="datetime8">
               <a:rPr lang="en-US" smtClean="0"/>
-              <a:t>8/31/2020 5:36 PM</a:t>
+              <a:t>10/16/2021 12:54 PM</a:t>
             </a:fld>
             <a:endParaRPr lang="en-US" dirty="0"/>
           </a:p>
@@ -1341,7 +1341,7 @@
           <a:p>
             <a:fld id="{D18B56EA-E28F-4F92-9F16-7A6F2501B303}" type="datetime8">
               <a:rPr lang="en-US" smtClean="0"/>
-              <a:t>8/31/2020 5:36 PM</a:t>
+              <a:t>10/16/2021 12:54 PM</a:t>
             </a:fld>
             <a:endParaRPr lang="en-US" dirty="0"/>
           </a:p>
@@ -1861,7 +1861,7 @@
           <a:p>
             <a:fld id="{D18B56EA-E28F-4F92-9F16-7A6F2501B303}" type="datetime8">
               <a:rPr lang="en-US" smtClean="0"/>
-              <a:t>8/31/2020 5:36 PM</a:t>
+              <a:t>10/16/2021 12:54 PM</a:t>
             </a:fld>
             <a:endParaRPr lang="en-US" dirty="0"/>
           </a:p>
@@ -2152,7 +2152,7 @@
           <a:p>
             <a:fld id="{D18B56EA-E28F-4F92-9F16-7A6F2501B303}" type="datetime8">
               <a:rPr lang="en-US" smtClean="0"/>
-              <a:t>8/31/2020 5:36 PM</a:t>
+              <a:t>10/16/2021 12:54 PM</a:t>
             </a:fld>
             <a:endParaRPr lang="en-US" dirty="0"/>
           </a:p>
@@ -2333,7 +2333,7 @@
           <a:p>
             <a:fld id="{D18B56EA-E28F-4F92-9F16-7A6F2501B303}" type="datetime8">
               <a:rPr lang="en-US" smtClean="0"/>
-              <a:t>8/31/2020 5:36 PM</a:t>
+              <a:t>10/16/2021 12:54 PM</a:t>
             </a:fld>
             <a:endParaRPr lang="en-US" dirty="0"/>
           </a:p>
@@ -2514,7 +2514,7 @@
           <a:p>
             <a:fld id="{D18B56EA-E28F-4F92-9F16-7A6F2501B303}" type="datetime8">
               <a:rPr lang="en-US" smtClean="0"/>
-              <a:t>8/31/2020 5:36 PM</a:t>
+              <a:t>10/16/2021 12:54 PM</a:t>
             </a:fld>
             <a:endParaRPr lang="en-US" dirty="0"/>
           </a:p>
@@ -2695,7 +2695,7 @@
           <a:p>
             <a:fld id="{D18B56EA-E28F-4F92-9F16-7A6F2501B303}" type="datetime8">
               <a:rPr lang="en-US" smtClean="0"/>
-              <a:t>8/31/2020 5:36 PM</a:t>
+              <a:t>10/16/2021 12:54 PM</a:t>
             </a:fld>
             <a:endParaRPr lang="en-US" dirty="0"/>
           </a:p>
@@ -2876,7 +2876,7 @@
           <a:p>
             <a:fld id="{D18B56EA-E28F-4F92-9F16-7A6F2501B303}" type="datetime8">
               <a:rPr lang="en-US" smtClean="0"/>
-              <a:t>8/31/2020 5:36 PM</a:t>
+              <a:t>10/16/2021 12:54 PM</a:t>
             </a:fld>
             <a:endParaRPr lang="en-US" dirty="0"/>
           </a:p>
@@ -20146,7 +20146,12 @@
             <p:ph type="body" sz="quarter" idx="10"/>
           </p:nvPr>
         </p:nvSpPr>
-        <p:spPr/>
+        <p:spPr>
+          <a:xfrm>
+            <a:off x="464400" y="1212850"/>
+            <a:ext cx="11574000" cy="3868751"/>
+          </a:xfrm>
+        </p:spPr>
         <p:txBody>
           <a:bodyPr/>
           <a:lstStyle/>
@@ -20211,7 +20216,7 @@
           <a:p>
             <a:r>
               <a:rPr lang="en-US" dirty="0"/>
-              <a:t>Build &amp; run web part in the local workbench</a:t>
+              <a:t>Build &amp; run web part in the workbench</a:t>
             </a:r>
           </a:p>
           <a:p>
@@ -20410,16 +20415,6 @@
               </a:spcAft>
             </a:pPr>
             <a:r>
-              <a:rPr lang="sv-SE" altLang="en-US" sz="2400" dirty="0" err="1">
-                <a:solidFill>
-                  <a:schemeClr val="bg1"/>
-                </a:solidFill>
-                <a:latin typeface="Consolas" panose="020B0609020204030204" pitchFamily="49" charset="0"/>
-                <a:cs typeface="Times New Roman" panose="02020603050405020304" pitchFamily="18" charset="0"/>
-              </a:rPr>
-              <a:t>gulp</a:t>
-            </a:r>
-            <a:r>
               <a:rPr lang="sv-SE" altLang="en-US" sz="2400" dirty="0">
                 <a:solidFill>
                   <a:schemeClr val="bg1"/>
@@ -20427,7 +20422,7 @@
                 <a:latin typeface="Consolas" panose="020B0609020204030204" pitchFamily="49" charset="0"/>
                 <a:cs typeface="Times New Roman" panose="02020603050405020304" pitchFamily="18" charset="0"/>
               </a:rPr>
-              <a:t> serve</a:t>
+              <a:t>gulp serve --nobrowser</a:t>
             </a:r>
           </a:p>
         </p:txBody>

--- a/03-using.pptx
+++ b/03-using.pptx
@@ -268,7 +268,7 @@
               <a:rPr lang="en-US" smtClean="0">
                 <a:latin typeface="Segoe UI" pitchFamily="34" charset="0"/>
               </a:rPr>
-              <a:t>10/16/2021 12:54 PM</a:t>
+              <a:t>3/22/2022 10:34 AM</a:t>
             </a:fld>
             <a:endParaRPr lang="en-US" dirty="0">
               <a:latin typeface="Segoe UI" pitchFamily="34" charset="0"/>
@@ -565,7 +565,7 @@
           <a:p>
             <a:fld id="{D18B56EA-E28F-4F92-9F16-7A6F2501B303}" type="datetime8">
               <a:rPr lang="en-US" smtClean="0"/>
-              <a:t>10/16/2021 12:54 PM</a:t>
+              <a:t>3/22/2022 10:34 AM</a:t>
             </a:fld>
             <a:endParaRPr lang="en-US" dirty="0"/>
           </a:p>
@@ -948,7 +948,7 @@
           <a:p>
             <a:fld id="{D18B56EA-E28F-4F92-9F16-7A6F2501B303}" type="datetime8">
               <a:rPr lang="en-US" smtClean="0"/>
-              <a:t>10/16/2021 12:54 PM</a:t>
+              <a:t>3/22/2022 10:34 AM</a:t>
             </a:fld>
             <a:endParaRPr lang="en-US" dirty="0"/>
           </a:p>
@@ -1129,7 +1129,7 @@
           <a:p>
             <a:fld id="{D18B56EA-E28F-4F92-9F16-7A6F2501B303}" type="datetime8">
               <a:rPr lang="en-US" smtClean="0"/>
-              <a:t>10/16/2021 12:54 PM</a:t>
+              <a:t>3/22/2022 10:34 AM</a:t>
             </a:fld>
             <a:endParaRPr lang="en-US" dirty="0"/>
           </a:p>
@@ -1341,7 +1341,7 @@
           <a:p>
             <a:fld id="{D18B56EA-E28F-4F92-9F16-7A6F2501B303}" type="datetime8">
               <a:rPr lang="en-US" smtClean="0"/>
-              <a:t>10/16/2021 12:54 PM</a:t>
+              <a:t>3/22/2022 10:34 AM</a:t>
             </a:fld>
             <a:endParaRPr lang="en-US" dirty="0"/>
           </a:p>
@@ -1861,7 +1861,7 @@
           <a:p>
             <a:fld id="{D18B56EA-E28F-4F92-9F16-7A6F2501B303}" type="datetime8">
               <a:rPr lang="en-US" smtClean="0"/>
-              <a:t>10/16/2021 12:54 PM</a:t>
+              <a:t>3/22/2022 10:34 AM</a:t>
             </a:fld>
             <a:endParaRPr lang="en-US" dirty="0"/>
           </a:p>
@@ -2152,7 +2152,7 @@
           <a:p>
             <a:fld id="{D18B56EA-E28F-4F92-9F16-7A6F2501B303}" type="datetime8">
               <a:rPr lang="en-US" smtClean="0"/>
-              <a:t>10/16/2021 12:54 PM</a:t>
+              <a:t>3/22/2022 10:34 AM</a:t>
             </a:fld>
             <a:endParaRPr lang="en-US" dirty="0"/>
           </a:p>
@@ -2333,7 +2333,7 @@
           <a:p>
             <a:fld id="{D18B56EA-E28F-4F92-9F16-7A6F2501B303}" type="datetime8">
               <a:rPr lang="en-US" smtClean="0"/>
-              <a:t>10/16/2021 12:54 PM</a:t>
+              <a:t>3/22/2022 10:34 AM</a:t>
             </a:fld>
             <a:endParaRPr lang="en-US" dirty="0"/>
           </a:p>
@@ -2514,7 +2514,7 @@
           <a:p>
             <a:fld id="{D18B56EA-E28F-4F92-9F16-7A6F2501B303}" type="datetime8">
               <a:rPr lang="en-US" smtClean="0"/>
-              <a:t>10/16/2021 12:54 PM</a:t>
+              <a:t>3/22/2022 10:34 AM</a:t>
             </a:fld>
             <a:endParaRPr lang="en-US" dirty="0"/>
           </a:p>
@@ -2695,7 +2695,7 @@
           <a:p>
             <a:fld id="{D18B56EA-E28F-4F92-9F16-7A6F2501B303}" type="datetime8">
               <a:rPr lang="en-US" smtClean="0"/>
-              <a:t>10/16/2021 12:54 PM</a:t>
+              <a:t>3/22/2022 10:34 AM</a:t>
             </a:fld>
             <a:endParaRPr lang="en-US" dirty="0"/>
           </a:p>
@@ -2876,7 +2876,7 @@
           <a:p>
             <a:fld id="{D18B56EA-E28F-4F92-9F16-7A6F2501B303}" type="datetime8">
               <a:rPr lang="en-US" smtClean="0"/>
-              <a:t>10/16/2021 12:54 PM</a:t>
+              <a:t>3/22/2022 10:34 AM</a:t>
             </a:fld>
             <a:endParaRPr lang="en-US" dirty="0"/>
           </a:p>
@@ -18526,288 +18526,6 @@
           <a:chExt cx="0" cy="0"/>
         </a:xfrm>
       </p:grpSpPr>
-      <p:grpSp>
-        <p:nvGrpSpPr>
-          <p:cNvPr id="21" name="Group 20"/>
-          <p:cNvGrpSpPr/>
-          <p:nvPr/>
-        </p:nvGrpSpPr>
-        <p:grpSpPr>
-          <a:xfrm>
-            <a:off x="4923275" y="1719250"/>
-            <a:ext cx="3638070" cy="3014516"/>
-            <a:chOff x="2547578" y="-1"/>
-            <a:chExt cx="7341317" cy="6083037"/>
-          </a:xfrm>
-        </p:grpSpPr>
-        <p:pic>
-          <p:nvPicPr>
-            <p:cNvPr id="22" name="Picture 21"/>
-            <p:cNvPicPr>
-              <a:picLocks noChangeAspect="1"/>
-            </p:cNvPicPr>
-            <p:nvPr/>
-          </p:nvPicPr>
-          <p:blipFill rotWithShape="1">
-            <a:blip r:embed="rId3"/>
-            <a:srcRect b="13031"/>
-            <a:stretch/>
-          </p:blipFill>
-          <p:spPr>
-            <a:xfrm>
-              <a:off x="2547578" y="-1"/>
-              <a:ext cx="7341317" cy="6083037"/>
-            </a:xfrm>
-            <a:prstGeom prst="rect">
-              <a:avLst/>
-            </a:prstGeom>
-          </p:spPr>
-        </p:pic>
-        <p:pic>
-          <p:nvPicPr>
-            <p:cNvPr id="23" name="Picture 22"/>
-            <p:cNvPicPr>
-              <a:picLocks noChangeAspect="1"/>
-            </p:cNvPicPr>
-            <p:nvPr/>
-          </p:nvPicPr>
-          <p:blipFill>
-            <a:blip r:embed="rId4"/>
-            <a:stretch>
-              <a:fillRect/>
-            </a:stretch>
-          </p:blipFill>
-          <p:spPr>
-            <a:xfrm>
-              <a:off x="5456237" y="5326062"/>
-              <a:ext cx="381000" cy="353786"/>
-            </a:xfrm>
-            <a:prstGeom prst="rect">
-              <a:avLst/>
-            </a:prstGeom>
-          </p:spPr>
-        </p:pic>
-      </p:grpSp>
-      <p:grpSp>
-        <p:nvGrpSpPr>
-          <p:cNvPr id="26" name="Group 25"/>
-          <p:cNvGrpSpPr/>
-          <p:nvPr/>
-        </p:nvGrpSpPr>
-        <p:grpSpPr>
-          <a:xfrm>
-            <a:off x="350837" y="1729809"/>
-            <a:ext cx="4182699" cy="3004253"/>
-            <a:chOff x="350837" y="1338109"/>
-            <a:chExt cx="4182699" cy="3004253"/>
-          </a:xfrm>
-        </p:grpSpPr>
-        <p:pic>
-          <p:nvPicPr>
-            <p:cNvPr id="20" name="Picture 19"/>
-            <p:cNvPicPr>
-              <a:picLocks noChangeAspect="1"/>
-            </p:cNvPicPr>
-            <p:nvPr/>
-          </p:nvPicPr>
-          <p:blipFill>
-            <a:blip r:embed="rId5"/>
-            <a:stretch>
-              <a:fillRect/>
-            </a:stretch>
-          </p:blipFill>
-          <p:spPr>
-            <a:xfrm>
-              <a:off x="350837" y="1338109"/>
-              <a:ext cx="4182699" cy="3004253"/>
-            </a:xfrm>
-            <a:prstGeom prst="rect">
-              <a:avLst/>
-            </a:prstGeom>
-          </p:spPr>
-        </p:pic>
-        <p:sp>
-          <p:nvSpPr>
-            <p:cNvPr id="24" name="Rectangle 23"/>
-            <p:cNvSpPr/>
-            <p:nvPr/>
-          </p:nvSpPr>
-          <p:spPr bwMode="auto">
-            <a:xfrm>
-              <a:off x="4160837" y="4154710"/>
-              <a:ext cx="331384" cy="187356"/>
-            </a:xfrm>
-            <a:prstGeom prst="rect">
-              <a:avLst/>
-            </a:prstGeom>
-            <a:solidFill>
-              <a:schemeClr val="bg1"/>
-            </a:solidFill>
-            <a:ln>
-              <a:noFill/>
-              <a:headEnd type="none" w="med" len="med"/>
-              <a:tailEnd type="none" w="med" len="med"/>
-            </a:ln>
-          </p:spPr>
-          <p:style>
-            <a:lnRef idx="2">
-              <a:schemeClr val="accent1">
-                <a:shade val="50000"/>
-              </a:schemeClr>
-            </a:lnRef>
-            <a:fillRef idx="1">
-              <a:schemeClr val="accent1"/>
-            </a:fillRef>
-            <a:effectRef idx="0">
-              <a:schemeClr val="accent1"/>
-            </a:effectRef>
-            <a:fontRef idx="minor">
-              <a:schemeClr val="lt1"/>
-            </a:fontRef>
-          </p:style>
-          <p:txBody>
-            <a:bodyPr vert="horz" wrap="square" lIns="0" tIns="46637" rIns="0" bIns="46637" numCol="1" rtlCol="0" anchor="ctr" anchorCtr="0" compatLnSpc="1">
-              <a:prstTxWarp prst="textNoShape">
-                <a:avLst/>
-              </a:prstTxWarp>
-            </a:bodyPr>
-            <a:lstStyle/>
-            <a:p>
-              <a:pPr algn="ctr" defTabSz="932472" fontAlgn="base">
-                <a:spcBef>
-                  <a:spcPct val="0"/>
-                </a:spcBef>
-                <a:spcAft>
-                  <a:spcPct val="0"/>
-                </a:spcAft>
-              </a:pPr>
-              <a:endParaRPr lang="en-US" sz="2000" dirty="0">
-                <a:gradFill>
-                  <a:gsLst>
-                    <a:gs pos="5439">
-                      <a:srgbClr val="F8F8F8"/>
-                    </a:gs>
-                    <a:gs pos="10000">
-                      <a:srgbClr val="F8F8F8"/>
-                    </a:gs>
-                  </a:gsLst>
-                  <a:lin ang="5400000" scaled="0"/>
-                </a:gradFill>
-              </a:endParaRPr>
-            </a:p>
-          </p:txBody>
-        </p:sp>
-      </p:grpSp>
-      <p:grpSp>
-        <p:nvGrpSpPr>
-          <p:cNvPr id="27" name="Group 26"/>
-          <p:cNvGrpSpPr/>
-          <p:nvPr/>
-        </p:nvGrpSpPr>
-        <p:grpSpPr>
-          <a:xfrm>
-            <a:off x="8951085" y="1697062"/>
-            <a:ext cx="3176858" cy="3036704"/>
-            <a:chOff x="8732837" y="1305362"/>
-            <a:chExt cx="3395106" cy="3245324"/>
-          </a:xfrm>
-        </p:grpSpPr>
-        <p:pic>
-          <p:nvPicPr>
-            <p:cNvPr id="19" name="Picture 18"/>
-            <p:cNvPicPr>
-              <a:picLocks noChangeAspect="1"/>
-            </p:cNvPicPr>
-            <p:nvPr/>
-          </p:nvPicPr>
-          <p:blipFill>
-            <a:blip r:embed="rId6"/>
-            <a:stretch>
-              <a:fillRect/>
-            </a:stretch>
-          </p:blipFill>
-          <p:spPr>
-            <a:xfrm>
-              <a:off x="8732837" y="1305362"/>
-              <a:ext cx="3395106" cy="3242129"/>
-            </a:xfrm>
-            <a:prstGeom prst="rect">
-              <a:avLst/>
-            </a:prstGeom>
-          </p:spPr>
-        </p:pic>
-        <p:sp>
-          <p:nvSpPr>
-            <p:cNvPr id="25" name="Rectangle 24"/>
-            <p:cNvSpPr/>
-            <p:nvPr/>
-          </p:nvSpPr>
-          <p:spPr bwMode="auto">
-            <a:xfrm>
-              <a:off x="11763109" y="4363330"/>
-              <a:ext cx="331384" cy="187356"/>
-            </a:xfrm>
-            <a:prstGeom prst="rect">
-              <a:avLst/>
-            </a:prstGeom>
-            <a:solidFill>
-              <a:schemeClr val="bg1"/>
-            </a:solidFill>
-            <a:ln>
-              <a:noFill/>
-              <a:headEnd type="none" w="med" len="med"/>
-              <a:tailEnd type="none" w="med" len="med"/>
-            </a:ln>
-          </p:spPr>
-          <p:style>
-            <a:lnRef idx="2">
-              <a:schemeClr val="accent1">
-                <a:shade val="50000"/>
-              </a:schemeClr>
-            </a:lnRef>
-            <a:fillRef idx="1">
-              <a:schemeClr val="accent1"/>
-            </a:fillRef>
-            <a:effectRef idx="0">
-              <a:schemeClr val="accent1"/>
-            </a:effectRef>
-            <a:fontRef idx="minor">
-              <a:schemeClr val="lt1"/>
-            </a:fontRef>
-          </p:style>
-          <p:txBody>
-            <a:bodyPr vert="horz" wrap="square" lIns="0" tIns="46637" rIns="0" bIns="46637" numCol="1" rtlCol="0" anchor="ctr" anchorCtr="0" compatLnSpc="1">
-              <a:prstTxWarp prst="textNoShape">
-                <a:avLst/>
-              </a:prstTxWarp>
-            </a:bodyPr>
-            <a:lstStyle/>
-            <a:p>
-              <a:pPr algn="ctr" defTabSz="932472" fontAlgn="base">
-                <a:spcBef>
-                  <a:spcPct val="0"/>
-                </a:spcBef>
-                <a:spcAft>
-                  <a:spcPct val="0"/>
-                </a:spcAft>
-              </a:pPr>
-              <a:endParaRPr lang="en-US" sz="2000" dirty="0">
-                <a:gradFill>
-                  <a:gsLst>
-                    <a:gs pos="5439">
-                      <a:srgbClr val="F8F8F8"/>
-                    </a:gs>
-                    <a:gs pos="10000">
-                      <a:srgbClr val="F8F8F8"/>
-                    </a:gs>
-                  </a:gsLst>
-                  <a:lin ang="5400000" scaled="0"/>
-                </a:gradFill>
-              </a:endParaRPr>
-            </a:p>
-          </p:txBody>
-        </p:sp>
-      </p:grpSp>
       <p:sp>
         <p:nvSpPr>
           <p:cNvPr id="29" name="Rectangle 28"/>
@@ -18816,7 +18534,7 @@
         </p:nvSpPr>
         <p:spPr>
           <a:xfrm>
-            <a:off x="720391" y="5117846"/>
+            <a:off x="464400" y="4906330"/>
             <a:ext cx="3443590" cy="424732"/>
           </a:xfrm>
           <a:prstGeom prst="rect">
@@ -18866,7 +18584,7 @@
         </p:nvSpPr>
         <p:spPr>
           <a:xfrm>
-            <a:off x="5020515" y="5110758"/>
+            <a:off x="4496442" y="4906330"/>
             <a:ext cx="3443590" cy="757130"/>
           </a:xfrm>
           <a:prstGeom prst="rect">
@@ -18916,7 +18634,7 @@
         </p:nvSpPr>
         <p:spPr>
           <a:xfrm>
-            <a:off x="8817719" y="5118696"/>
+            <a:off x="8528485" y="4952497"/>
             <a:ext cx="3443590" cy="757130"/>
           </a:xfrm>
           <a:prstGeom prst="rect">
@@ -18980,6 +18698,96 @@
           </a:p>
         </p:txBody>
       </p:sp>
+      <p:pic>
+        <p:nvPicPr>
+          <p:cNvPr id="4" name="Picture 3">
+            <a:extLst>
+              <a:ext uri="{FF2B5EF4-FFF2-40B4-BE49-F238E27FC236}">
+                <a16:creationId xmlns:a16="http://schemas.microsoft.com/office/drawing/2014/main" id="{0CD1A294-605F-42B1-9D7A-033FCEC95840}"/>
+              </a:ext>
+            </a:extLst>
+          </p:cNvPr>
+          <p:cNvPicPr>
+            <a:picLocks noChangeAspect="1"/>
+          </p:cNvPicPr>
+          <p:nvPr/>
+        </p:nvPicPr>
+        <p:blipFill>
+          <a:blip r:embed="rId3"/>
+          <a:stretch>
+            <a:fillRect/>
+          </a:stretch>
+        </p:blipFill>
+        <p:spPr>
+          <a:xfrm>
+            <a:off x="340649" y="1697061"/>
+            <a:ext cx="3634152" cy="2671001"/>
+          </a:xfrm>
+          <a:prstGeom prst="rect">
+            <a:avLst/>
+          </a:prstGeom>
+        </p:spPr>
+      </p:pic>
+      <p:pic>
+        <p:nvPicPr>
+          <p:cNvPr id="6" name="Picture 5">
+            <a:extLst>
+              <a:ext uri="{FF2B5EF4-FFF2-40B4-BE49-F238E27FC236}">
+                <a16:creationId xmlns:a16="http://schemas.microsoft.com/office/drawing/2014/main" id="{8D7E348E-3A0C-42F5-A715-CDEDA8567F81}"/>
+              </a:ext>
+            </a:extLst>
+          </p:cNvPr>
+          <p:cNvPicPr>
+            <a:picLocks noChangeAspect="1"/>
+          </p:cNvPicPr>
+          <p:nvPr/>
+        </p:nvPicPr>
+        <p:blipFill>
+          <a:blip r:embed="rId4"/>
+          <a:stretch>
+            <a:fillRect/>
+          </a:stretch>
+        </p:blipFill>
+        <p:spPr>
+          <a:xfrm>
+            <a:off x="4420241" y="1705241"/>
+            <a:ext cx="3634125" cy="2662822"/>
+          </a:xfrm>
+          <a:prstGeom prst="rect">
+            <a:avLst/>
+          </a:prstGeom>
+        </p:spPr>
+      </p:pic>
+      <p:pic>
+        <p:nvPicPr>
+          <p:cNvPr id="8" name="Picture 7">
+            <a:extLst>
+              <a:ext uri="{FF2B5EF4-FFF2-40B4-BE49-F238E27FC236}">
+                <a16:creationId xmlns:a16="http://schemas.microsoft.com/office/drawing/2014/main" id="{534AB4B9-188A-45C1-8A4E-7DC1EE800E0C}"/>
+              </a:ext>
+            </a:extLst>
+          </p:cNvPr>
+          <p:cNvPicPr>
+            <a:picLocks noChangeAspect="1"/>
+          </p:cNvPicPr>
+          <p:nvPr/>
+        </p:nvPicPr>
+        <p:blipFill>
+          <a:blip r:embed="rId5"/>
+          <a:stretch>
+            <a:fillRect/>
+          </a:stretch>
+        </p:blipFill>
+        <p:spPr>
+          <a:xfrm>
+            <a:off x="8464105" y="1689369"/>
+            <a:ext cx="3631721" cy="2662823"/>
+          </a:xfrm>
+          <a:prstGeom prst="rect">
+            <a:avLst/>
+          </a:prstGeom>
+        </p:spPr>
+      </p:pic>
     </p:spTree>
     <p:extLst>
       <p:ext uri="{BB962C8B-B14F-4D97-AF65-F5344CB8AC3E}">
@@ -19092,7 +18900,7 @@
                             </p:stCondLst>
                             <p:childTnLst>
                               <p:par>
-                                <p:cTn id="11" presetID="10" presetClass="entr" presetSubtype="0" fill="hold" nodeType="afterEffect">
+                                <p:cTn id="11" presetID="10" presetClass="entr" presetSubtype="0" fill="hold" grpId="0" nodeType="afterEffect">
                                   <p:stCondLst>
                                     <p:cond delay="0"/>
                                   </p:stCondLst>
@@ -19105,7 +18913,7 @@
                                           </p:stCondLst>
                                         </p:cTn>
                                         <p:tgtEl>
-                                          <p:spTgt spid="26"/>
+                                          <p:spTgt spid="29"/>
                                         </p:tgtEl>
                                         <p:attrNameLst>
                                           <p:attrName>style.visibility</p:attrName>
@@ -19119,7 +18927,7 @@
                                       <p:cBhvr>
                                         <p:cTn id="13" dur="500"/>
                                         <p:tgtEl>
-                                          <p:spTgt spid="26"/>
+                                          <p:spTgt spid="29"/>
                                         </p:tgtEl>
                                       </p:cBhvr>
                                     </p:animEffect>
@@ -19127,7 +18935,7 @@
                                 </p:cTn>
                               </p:par>
                               <p:par>
-                                <p:cTn id="14" presetID="2" presetClass="entr" presetSubtype="1" accel="5000" decel="5000" fill="hold" nodeType="withEffect">
+                                <p:cTn id="14" presetID="2" presetClass="entr" presetSubtype="4" accel="5000" decel="5000" fill="hold" grpId="1" nodeType="withEffect">
                                   <p:stCondLst>
                                     <p:cond delay="0"/>
                                   </p:stCondLst>
@@ -19140,7 +18948,7 @@
                                           </p:stCondLst>
                                         </p:cTn>
                                         <p:tgtEl>
-                                          <p:spTgt spid="26"/>
+                                          <p:spTgt spid="29"/>
                                         </p:tgtEl>
                                         <p:attrNameLst>
                                           <p:attrName>style.visibility</p:attrName>
@@ -19154,7 +18962,7 @@
                                       <p:cBhvr additive="base">
                                         <p:cTn id="16" dur="500" fill="hold"/>
                                         <p:tgtEl>
-                                          <p:spTgt spid="26"/>
+                                          <p:spTgt spid="29"/>
                                         </p:tgtEl>
                                         <p:attrNameLst>
                                           <p:attrName>ppt_x</p:attrName>
@@ -19177,7 +18985,7 @@
                                       <p:cBhvr additive="base">
                                         <p:cTn id="17" dur="500" fill="hold"/>
                                         <p:tgtEl>
-                                          <p:spTgt spid="26"/>
+                                          <p:spTgt spid="29"/>
                                         </p:tgtEl>
                                         <p:attrNameLst>
                                           <p:attrName>ppt_y</p:attrName>
@@ -19186,7 +18994,7 @@
                                       <p:tavLst>
                                         <p:tav tm="0">
                                           <p:val>
-                                            <p:strVal val="0-#ppt_h/2"/>
+                                            <p:strVal val="1+#ppt_h/2"/>
                                           </p:val>
                                         </p:tav>
                                         <p:tav tm="100000">
@@ -19222,7 +19030,7 @@
                                           </p:stCondLst>
                                         </p:cTn>
                                         <p:tgtEl>
-                                          <p:spTgt spid="29"/>
+                                          <p:spTgt spid="30"/>
                                         </p:tgtEl>
                                         <p:attrNameLst>
                                           <p:attrName>style.visibility</p:attrName>
@@ -19236,7 +19044,7 @@
                                       <p:cBhvr>
                                         <p:cTn id="21" dur="500"/>
                                         <p:tgtEl>
-                                          <p:spTgt spid="29"/>
+                                          <p:spTgt spid="30"/>
                                         </p:tgtEl>
                                       </p:cBhvr>
                                     </p:animEffect>
@@ -19257,7 +19065,7 @@
                                           </p:stCondLst>
                                         </p:cTn>
                                         <p:tgtEl>
-                                          <p:spTgt spid="29"/>
+                                          <p:spTgt spid="30"/>
                                         </p:tgtEl>
                                         <p:attrNameLst>
                                           <p:attrName>style.visibility</p:attrName>
@@ -19271,7 +19079,7 @@
                                       <p:cBhvr additive="base">
                                         <p:cTn id="24" dur="500" fill="hold"/>
                                         <p:tgtEl>
-                                          <p:spTgt spid="29"/>
+                                          <p:spTgt spid="30"/>
                                         </p:tgtEl>
                                         <p:attrNameLst>
                                           <p:attrName>ppt_x</p:attrName>
@@ -19294,7 +19102,7 @@
                                       <p:cBhvr additive="base">
                                         <p:cTn id="25" dur="500" fill="hold"/>
                                         <p:tgtEl>
-                                          <p:spTgt spid="29"/>
+                                          <p:spTgt spid="30"/>
                                         </p:tgtEl>
                                         <p:attrNameLst>
                                           <p:attrName>ppt_y</p:attrName>
@@ -19326,7 +19134,7 @@
                             </p:stCondLst>
                             <p:childTnLst>
                               <p:par>
-                                <p:cTn id="27" presetID="10" presetClass="entr" presetSubtype="0" fill="hold" nodeType="afterEffect">
+                                <p:cTn id="27" presetID="10" presetClass="entr" presetSubtype="0" fill="hold" grpId="0" nodeType="afterEffect">
                                   <p:stCondLst>
                                     <p:cond delay="0"/>
                                   </p:stCondLst>
@@ -19334,357 +19142,6 @@
                                     <p:set>
                                       <p:cBhvr>
                                         <p:cTn id="28" dur="1" fill="hold">
-                                          <p:stCondLst>
-                                            <p:cond delay="0"/>
-                                          </p:stCondLst>
-                                        </p:cTn>
-                                        <p:tgtEl>
-                                          <p:spTgt spid="21"/>
-                                        </p:tgtEl>
-                                        <p:attrNameLst>
-                                          <p:attrName>style.visibility</p:attrName>
-                                        </p:attrNameLst>
-                                      </p:cBhvr>
-                                      <p:to>
-                                        <p:strVal val="visible"/>
-                                      </p:to>
-                                    </p:set>
-                                    <p:animEffect transition="in" filter="fade">
-                                      <p:cBhvr>
-                                        <p:cTn id="29" dur="500"/>
-                                        <p:tgtEl>
-                                          <p:spTgt spid="21"/>
-                                        </p:tgtEl>
-                                      </p:cBhvr>
-                                    </p:animEffect>
-                                  </p:childTnLst>
-                                </p:cTn>
-                              </p:par>
-                              <p:par>
-                                <p:cTn id="30" presetID="2" presetClass="entr" presetSubtype="1" accel="5000" decel="5000" fill="hold" nodeType="withEffect">
-                                  <p:stCondLst>
-                                    <p:cond delay="0"/>
-                                  </p:stCondLst>
-                                  <p:childTnLst>
-                                    <p:set>
-                                      <p:cBhvr>
-                                        <p:cTn id="31" dur="1" fill="hold">
-                                          <p:stCondLst>
-                                            <p:cond delay="0"/>
-                                          </p:stCondLst>
-                                        </p:cTn>
-                                        <p:tgtEl>
-                                          <p:spTgt spid="21"/>
-                                        </p:tgtEl>
-                                        <p:attrNameLst>
-                                          <p:attrName>style.visibility</p:attrName>
-                                        </p:attrNameLst>
-                                      </p:cBhvr>
-                                      <p:to>
-                                        <p:strVal val="visible"/>
-                                      </p:to>
-                                    </p:set>
-                                    <p:anim calcmode="lin" valueType="num">
-                                      <p:cBhvr additive="base">
-                                        <p:cTn id="32" dur="500" fill="hold"/>
-                                        <p:tgtEl>
-                                          <p:spTgt spid="21"/>
-                                        </p:tgtEl>
-                                        <p:attrNameLst>
-                                          <p:attrName>ppt_x</p:attrName>
-                                        </p:attrNameLst>
-                                      </p:cBhvr>
-                                      <p:tavLst>
-                                        <p:tav tm="0">
-                                          <p:val>
-                                            <p:strVal val="#ppt_x"/>
-                                          </p:val>
-                                        </p:tav>
-                                        <p:tav tm="100000">
-                                          <p:val>
-                                            <p:strVal val="#ppt_x"/>
-                                          </p:val>
-                                        </p:tav>
-                                      </p:tavLst>
-                                    </p:anim>
-                                    <p:anim calcmode="lin" valueType="num">
-                                      <p:cBhvr additive="base">
-                                        <p:cTn id="33" dur="500" fill="hold"/>
-                                        <p:tgtEl>
-                                          <p:spTgt spid="21"/>
-                                        </p:tgtEl>
-                                        <p:attrNameLst>
-                                          <p:attrName>ppt_y</p:attrName>
-                                        </p:attrNameLst>
-                                      </p:cBhvr>
-                                      <p:tavLst>
-                                        <p:tav tm="0">
-                                          <p:val>
-                                            <p:strVal val="0-#ppt_h/2"/>
-                                          </p:val>
-                                        </p:tav>
-                                        <p:tav tm="100000">
-                                          <p:val>
-                                            <p:strVal val="#ppt_y"/>
-                                          </p:val>
-                                        </p:tav>
-                                      </p:tavLst>
-                                    </p:anim>
-                                  </p:childTnLst>
-                                </p:cTn>
-                              </p:par>
-                            </p:childTnLst>
-                          </p:cTn>
-                        </p:par>
-                        <p:par>
-                          <p:cTn id="34" fill="hold">
-                            <p:stCondLst>
-                              <p:cond delay="2000"/>
-                            </p:stCondLst>
-                            <p:childTnLst>
-                              <p:par>
-                                <p:cTn id="35" presetID="10" presetClass="entr" presetSubtype="0" fill="hold" grpId="0" nodeType="afterEffect">
-                                  <p:stCondLst>
-                                    <p:cond delay="0"/>
-                                  </p:stCondLst>
-                                  <p:childTnLst>
-                                    <p:set>
-                                      <p:cBhvr>
-                                        <p:cTn id="36" dur="1" fill="hold">
-                                          <p:stCondLst>
-                                            <p:cond delay="0"/>
-                                          </p:stCondLst>
-                                        </p:cTn>
-                                        <p:tgtEl>
-                                          <p:spTgt spid="30"/>
-                                        </p:tgtEl>
-                                        <p:attrNameLst>
-                                          <p:attrName>style.visibility</p:attrName>
-                                        </p:attrNameLst>
-                                      </p:cBhvr>
-                                      <p:to>
-                                        <p:strVal val="visible"/>
-                                      </p:to>
-                                    </p:set>
-                                    <p:animEffect transition="in" filter="fade">
-                                      <p:cBhvr>
-                                        <p:cTn id="37" dur="500"/>
-                                        <p:tgtEl>
-                                          <p:spTgt spid="30"/>
-                                        </p:tgtEl>
-                                      </p:cBhvr>
-                                    </p:animEffect>
-                                  </p:childTnLst>
-                                </p:cTn>
-                              </p:par>
-                              <p:par>
-                                <p:cTn id="38" presetID="2" presetClass="entr" presetSubtype="4" accel="5000" decel="5000" fill="hold" grpId="1" nodeType="withEffect">
-                                  <p:stCondLst>
-                                    <p:cond delay="0"/>
-                                  </p:stCondLst>
-                                  <p:childTnLst>
-                                    <p:set>
-                                      <p:cBhvr>
-                                        <p:cTn id="39" dur="1" fill="hold">
-                                          <p:stCondLst>
-                                            <p:cond delay="0"/>
-                                          </p:stCondLst>
-                                        </p:cTn>
-                                        <p:tgtEl>
-                                          <p:spTgt spid="30"/>
-                                        </p:tgtEl>
-                                        <p:attrNameLst>
-                                          <p:attrName>style.visibility</p:attrName>
-                                        </p:attrNameLst>
-                                      </p:cBhvr>
-                                      <p:to>
-                                        <p:strVal val="visible"/>
-                                      </p:to>
-                                    </p:set>
-                                    <p:anim calcmode="lin" valueType="num">
-                                      <p:cBhvr additive="base">
-                                        <p:cTn id="40" dur="500" fill="hold"/>
-                                        <p:tgtEl>
-                                          <p:spTgt spid="30"/>
-                                        </p:tgtEl>
-                                        <p:attrNameLst>
-                                          <p:attrName>ppt_x</p:attrName>
-                                        </p:attrNameLst>
-                                      </p:cBhvr>
-                                      <p:tavLst>
-                                        <p:tav tm="0">
-                                          <p:val>
-                                            <p:strVal val="#ppt_x"/>
-                                          </p:val>
-                                        </p:tav>
-                                        <p:tav tm="100000">
-                                          <p:val>
-                                            <p:strVal val="#ppt_x"/>
-                                          </p:val>
-                                        </p:tav>
-                                      </p:tavLst>
-                                    </p:anim>
-                                    <p:anim calcmode="lin" valueType="num">
-                                      <p:cBhvr additive="base">
-                                        <p:cTn id="41" dur="500" fill="hold"/>
-                                        <p:tgtEl>
-                                          <p:spTgt spid="30"/>
-                                        </p:tgtEl>
-                                        <p:attrNameLst>
-                                          <p:attrName>ppt_y</p:attrName>
-                                        </p:attrNameLst>
-                                      </p:cBhvr>
-                                      <p:tavLst>
-                                        <p:tav tm="0">
-                                          <p:val>
-                                            <p:strVal val="1+#ppt_h/2"/>
-                                          </p:val>
-                                        </p:tav>
-                                        <p:tav tm="100000">
-                                          <p:val>
-                                            <p:strVal val="#ppt_y"/>
-                                          </p:val>
-                                        </p:tav>
-                                      </p:tavLst>
-                                    </p:anim>
-                                  </p:childTnLst>
-                                </p:cTn>
-                              </p:par>
-                            </p:childTnLst>
-                          </p:cTn>
-                        </p:par>
-                        <p:par>
-                          <p:cTn id="42" fill="hold">
-                            <p:stCondLst>
-                              <p:cond delay="2500"/>
-                            </p:stCondLst>
-                            <p:childTnLst>
-                              <p:par>
-                                <p:cTn id="43" presetID="10" presetClass="entr" presetSubtype="0" fill="hold" nodeType="afterEffect">
-                                  <p:stCondLst>
-                                    <p:cond delay="0"/>
-                                  </p:stCondLst>
-                                  <p:childTnLst>
-                                    <p:set>
-                                      <p:cBhvr>
-                                        <p:cTn id="44" dur="1" fill="hold">
-                                          <p:stCondLst>
-                                            <p:cond delay="0"/>
-                                          </p:stCondLst>
-                                        </p:cTn>
-                                        <p:tgtEl>
-                                          <p:spTgt spid="27"/>
-                                        </p:tgtEl>
-                                        <p:attrNameLst>
-                                          <p:attrName>style.visibility</p:attrName>
-                                        </p:attrNameLst>
-                                      </p:cBhvr>
-                                      <p:to>
-                                        <p:strVal val="visible"/>
-                                      </p:to>
-                                    </p:set>
-                                    <p:animEffect transition="in" filter="fade">
-                                      <p:cBhvr>
-                                        <p:cTn id="45" dur="500"/>
-                                        <p:tgtEl>
-                                          <p:spTgt spid="27"/>
-                                        </p:tgtEl>
-                                      </p:cBhvr>
-                                    </p:animEffect>
-                                  </p:childTnLst>
-                                </p:cTn>
-                              </p:par>
-                              <p:par>
-                                <p:cTn id="46" presetID="2" presetClass="entr" presetSubtype="1" accel="5000" decel="5000" fill="hold" nodeType="withEffect">
-                                  <p:stCondLst>
-                                    <p:cond delay="0"/>
-                                  </p:stCondLst>
-                                  <p:childTnLst>
-                                    <p:set>
-                                      <p:cBhvr>
-                                        <p:cTn id="47" dur="1" fill="hold">
-                                          <p:stCondLst>
-                                            <p:cond delay="0"/>
-                                          </p:stCondLst>
-                                        </p:cTn>
-                                        <p:tgtEl>
-                                          <p:spTgt spid="27"/>
-                                        </p:tgtEl>
-                                        <p:attrNameLst>
-                                          <p:attrName>style.visibility</p:attrName>
-                                        </p:attrNameLst>
-                                      </p:cBhvr>
-                                      <p:to>
-                                        <p:strVal val="visible"/>
-                                      </p:to>
-                                    </p:set>
-                                    <p:anim calcmode="lin" valueType="num">
-                                      <p:cBhvr additive="base">
-                                        <p:cTn id="48" dur="500" fill="hold"/>
-                                        <p:tgtEl>
-                                          <p:spTgt spid="27"/>
-                                        </p:tgtEl>
-                                        <p:attrNameLst>
-                                          <p:attrName>ppt_x</p:attrName>
-                                        </p:attrNameLst>
-                                      </p:cBhvr>
-                                      <p:tavLst>
-                                        <p:tav tm="0">
-                                          <p:val>
-                                            <p:strVal val="#ppt_x"/>
-                                          </p:val>
-                                        </p:tav>
-                                        <p:tav tm="100000">
-                                          <p:val>
-                                            <p:strVal val="#ppt_x"/>
-                                          </p:val>
-                                        </p:tav>
-                                      </p:tavLst>
-                                    </p:anim>
-                                    <p:anim calcmode="lin" valueType="num">
-                                      <p:cBhvr additive="base">
-                                        <p:cTn id="49" dur="500" fill="hold"/>
-                                        <p:tgtEl>
-                                          <p:spTgt spid="27"/>
-                                        </p:tgtEl>
-                                        <p:attrNameLst>
-                                          <p:attrName>ppt_y</p:attrName>
-                                        </p:attrNameLst>
-                                      </p:cBhvr>
-                                      <p:tavLst>
-                                        <p:tav tm="0">
-                                          <p:val>
-                                            <p:strVal val="0-#ppt_h/2"/>
-                                          </p:val>
-                                        </p:tav>
-                                        <p:tav tm="100000">
-                                          <p:val>
-                                            <p:strVal val="#ppt_y"/>
-                                          </p:val>
-                                        </p:tav>
-                                      </p:tavLst>
-                                    </p:anim>
-                                  </p:childTnLst>
-                                </p:cTn>
-                              </p:par>
-                            </p:childTnLst>
-                          </p:cTn>
-                        </p:par>
-                        <p:par>
-                          <p:cTn id="50" fill="hold">
-                            <p:stCondLst>
-                              <p:cond delay="3000"/>
-                            </p:stCondLst>
-                            <p:childTnLst>
-                              <p:par>
-                                <p:cTn id="51" presetID="10" presetClass="entr" presetSubtype="0" fill="hold" grpId="0" nodeType="afterEffect">
-                                  <p:stCondLst>
-                                    <p:cond delay="0"/>
-                                  </p:stCondLst>
-                                  <p:childTnLst>
-                                    <p:set>
-                                      <p:cBhvr>
-                                        <p:cTn id="52" dur="1" fill="hold">
                                           <p:stCondLst>
                                             <p:cond delay="0"/>
                                           </p:stCondLst>
@@ -19702,7 +19159,7 @@
                                     </p:set>
                                     <p:animEffect transition="in" filter="fade">
                                       <p:cBhvr>
-                                        <p:cTn id="53" dur="500"/>
+                                        <p:cTn id="29" dur="500"/>
                                         <p:tgtEl>
                                           <p:spTgt spid="31"/>
                                         </p:tgtEl>
@@ -19712,14 +19169,14 @@
                                 </p:cTn>
                               </p:par>
                               <p:par>
-                                <p:cTn id="54" presetID="2" presetClass="entr" presetSubtype="4" accel="5000" decel="5000" fill="hold" grpId="1" nodeType="withEffect">
+                                <p:cTn id="30" presetID="2" presetClass="entr" presetSubtype="4" accel="5000" decel="5000" fill="hold" grpId="1" nodeType="withEffect">
                                   <p:stCondLst>
                                     <p:cond delay="0"/>
                                   </p:stCondLst>
                                   <p:childTnLst>
                                     <p:set>
                                       <p:cBhvr>
-                                        <p:cTn id="55" dur="1" fill="hold">
+                                        <p:cTn id="31" dur="1" fill="hold">
                                           <p:stCondLst>
                                             <p:cond delay="0"/>
                                           </p:stCondLst>
@@ -19737,7 +19194,7 @@
                                     </p:set>
                                     <p:anim calcmode="lin" valueType="num">
                                       <p:cBhvr additive="base">
-                                        <p:cTn id="56" dur="500" fill="hold"/>
+                                        <p:cTn id="32" dur="500" fill="hold"/>
                                         <p:tgtEl>
                                           <p:spTgt spid="31"/>
                                         </p:tgtEl>
@@ -19760,7 +19217,7 @@
                                     </p:anim>
                                     <p:anim calcmode="lin" valueType="num">
                                       <p:cBhvr additive="base">
-                                        <p:cTn id="57" dur="500" fill="hold"/>
+                                        <p:cTn id="33" dur="500" fill="hold"/>
                                         <p:tgtEl>
                                           <p:spTgt spid="31"/>
                                         </p:tgtEl>
@@ -19998,10 +19455,10 @@
       </p:pic>
       <p:pic>
         <p:nvPicPr>
-          <p:cNvPr id="11" name="Picture 10" descr="A screenshot of a social media post&#10;&#10;Description automatically generated">
+          <p:cNvPr id="6" name="Picture 5">
             <a:extLst>
               <a:ext uri="{FF2B5EF4-FFF2-40B4-BE49-F238E27FC236}">
-                <a16:creationId xmlns:a16="http://schemas.microsoft.com/office/drawing/2014/main" id="{59DA4C0F-51F9-4F4B-A422-8A21550BB215}"/>
+                <a16:creationId xmlns:a16="http://schemas.microsoft.com/office/drawing/2014/main" id="{C39EEBF0-46A8-4E09-82A0-E802743A60CA}"/>
               </a:ext>
             </a:extLst>
           </p:cNvPr>
@@ -20019,7 +19476,7 @@
         <p:spPr>
           <a:xfrm>
             <a:off x="5772192" y="4262520"/>
-            <a:ext cx="5959083" cy="1955400"/>
+            <a:ext cx="4802221" cy="2346950"/>
           </a:xfrm>
           <a:prstGeom prst="rect">
             <a:avLst/>
